--- a/Peer Review_NEW.pptx
+++ b/Peer Review_NEW.pptx
@@ -7,7 +7,9 @@
   <p:sldIdLst>
     <p:sldId id="256" r:id="rId2"/>
     <p:sldId id="257" r:id="rId3"/>
-    <p:sldId id="258" r:id="rId4"/>
+    <p:sldId id="259" r:id="rId4"/>
+    <p:sldId id="260" r:id="rId5"/>
+    <p:sldId id="258" r:id="rId6"/>
   </p:sldIdLst>
   <p:sldSz cx="12192000" cy="6858000"/>
   <p:notesSz cx="6858000" cy="9144000"/>
@@ -106,7 +108,16 @@
       </a:defRPr>
     </a:lvl9pPr>
   </p:defaultTextStyle>
+  <p:extLst>
+    <p:ext uri="{EFAFB233-063F-42B5-8137-9DF3F51BA10A}">
+      <p15:sldGuideLst xmlns:p15="http://schemas.microsoft.com/office/powerpoint/2012/main"/>
+    </p:ext>
+  </p:extLst>
 </p:presentation>
+</file>
+
+<file path=ppt/revisionInfo.xml><?xml version="1.0" encoding="utf-8"?>
+<p1510:revInfo xmlns:a="http://schemas.openxmlformats.org/drawingml/2006/main" xmlns:r="http://schemas.openxmlformats.org/officeDocument/2006/relationships" xmlns:p1510="http://schemas.microsoft.com/office/powerpoint/2015/10/main"/>
 </file>
 
 <file path=ppt/slideLayouts/slideLayout1.xml><?xml version="1.0" encoding="utf-8"?>
@@ -4004,10 +4015,2666 @@
   <p:clrMapOvr>
     <a:masterClrMapping/>
   </p:clrMapOvr>
+  <p:timing>
+    <p:tnLst>
+      <p:par>
+        <p:cTn id="1" dur="indefinite" restart="never" nodeType="tmRoot">
+          <p:childTnLst>
+            <p:seq concurrent="1" nextAc="seek">
+              <p:cTn id="2" dur="indefinite" nodeType="mainSeq">
+                <p:childTnLst>
+                  <p:par>
+                    <p:cTn id="3" fill="hold">
+                      <p:stCondLst>
+                        <p:cond delay="indefinite"/>
+                      </p:stCondLst>
+                      <p:childTnLst>
+                        <p:par>
+                          <p:cTn id="4" fill="hold">
+                            <p:stCondLst>
+                              <p:cond delay="0"/>
+                            </p:stCondLst>
+                            <p:childTnLst>
+                              <p:par>
+                                <p:cTn id="5" presetID="1" presetClass="entr" presetSubtype="0" fill="hold" grpId="0" nodeType="clickEffect">
+                                  <p:stCondLst>
+                                    <p:cond delay="0"/>
+                                  </p:stCondLst>
+                                  <p:childTnLst>
+                                    <p:set>
+                                      <p:cBhvr>
+                                        <p:cTn id="6" dur="1" fill="hold">
+                                          <p:stCondLst>
+                                            <p:cond delay="0"/>
+                                          </p:stCondLst>
+                                        </p:cTn>
+                                        <p:tgtEl>
+                                          <p:spTgt spid="9"/>
+                                        </p:tgtEl>
+                                        <p:attrNameLst>
+                                          <p:attrName>style.visibility</p:attrName>
+                                        </p:attrNameLst>
+                                      </p:cBhvr>
+                                      <p:to>
+                                        <p:strVal val="visible"/>
+                                      </p:to>
+                                    </p:set>
+                                  </p:childTnLst>
+                                </p:cTn>
+                              </p:par>
+                              <p:par>
+                                <p:cTn id="7" presetID="1" presetClass="entr" presetSubtype="0" fill="hold" grpId="0" nodeType="withEffect">
+                                  <p:stCondLst>
+                                    <p:cond delay="0"/>
+                                  </p:stCondLst>
+                                  <p:childTnLst>
+                                    <p:set>
+                                      <p:cBhvr>
+                                        <p:cTn id="8" dur="1" fill="hold">
+                                          <p:stCondLst>
+                                            <p:cond delay="0"/>
+                                          </p:stCondLst>
+                                        </p:cTn>
+                                        <p:tgtEl>
+                                          <p:spTgt spid="6"/>
+                                        </p:tgtEl>
+                                        <p:attrNameLst>
+                                          <p:attrName>style.visibility</p:attrName>
+                                        </p:attrNameLst>
+                                      </p:cBhvr>
+                                      <p:to>
+                                        <p:strVal val="visible"/>
+                                      </p:to>
+                                    </p:set>
+                                  </p:childTnLst>
+                                </p:cTn>
+                              </p:par>
+                            </p:childTnLst>
+                          </p:cTn>
+                        </p:par>
+                      </p:childTnLst>
+                    </p:cTn>
+                  </p:par>
+                  <p:par>
+                    <p:cTn id="9" fill="hold">
+                      <p:stCondLst>
+                        <p:cond delay="indefinite"/>
+                      </p:stCondLst>
+                      <p:childTnLst>
+                        <p:par>
+                          <p:cTn id="10" fill="hold">
+                            <p:stCondLst>
+                              <p:cond delay="0"/>
+                            </p:stCondLst>
+                            <p:childTnLst>
+                              <p:par>
+                                <p:cTn id="11" presetID="1" presetClass="entr" presetSubtype="0" fill="hold" grpId="0" nodeType="clickEffect">
+                                  <p:stCondLst>
+                                    <p:cond delay="0"/>
+                                  </p:stCondLst>
+                                  <p:childTnLst>
+                                    <p:set>
+                                      <p:cBhvr>
+                                        <p:cTn id="12" dur="1" fill="hold">
+                                          <p:stCondLst>
+                                            <p:cond delay="0"/>
+                                          </p:stCondLst>
+                                        </p:cTn>
+                                        <p:tgtEl>
+                                          <p:spTgt spid="11"/>
+                                        </p:tgtEl>
+                                        <p:attrNameLst>
+                                          <p:attrName>style.visibility</p:attrName>
+                                        </p:attrNameLst>
+                                      </p:cBhvr>
+                                      <p:to>
+                                        <p:strVal val="visible"/>
+                                      </p:to>
+                                    </p:set>
+                                  </p:childTnLst>
+                                </p:cTn>
+                              </p:par>
+                              <p:par>
+                                <p:cTn id="13" presetID="1" presetClass="entr" presetSubtype="0" fill="hold" grpId="0" nodeType="withEffect">
+                                  <p:stCondLst>
+                                    <p:cond delay="0"/>
+                                  </p:stCondLst>
+                                  <p:childTnLst>
+                                    <p:set>
+                                      <p:cBhvr>
+                                        <p:cTn id="14" dur="1" fill="hold">
+                                          <p:stCondLst>
+                                            <p:cond delay="0"/>
+                                          </p:stCondLst>
+                                        </p:cTn>
+                                        <p:tgtEl>
+                                          <p:spTgt spid="7"/>
+                                        </p:tgtEl>
+                                        <p:attrNameLst>
+                                          <p:attrName>style.visibility</p:attrName>
+                                        </p:attrNameLst>
+                                      </p:cBhvr>
+                                      <p:to>
+                                        <p:strVal val="visible"/>
+                                      </p:to>
+                                    </p:set>
+                                  </p:childTnLst>
+                                </p:cTn>
+                              </p:par>
+                            </p:childTnLst>
+                          </p:cTn>
+                        </p:par>
+                      </p:childTnLst>
+                    </p:cTn>
+                  </p:par>
+                  <p:par>
+                    <p:cTn id="15" fill="hold">
+                      <p:stCondLst>
+                        <p:cond delay="indefinite"/>
+                      </p:stCondLst>
+                      <p:childTnLst>
+                        <p:par>
+                          <p:cTn id="16" fill="hold">
+                            <p:stCondLst>
+                              <p:cond delay="0"/>
+                            </p:stCondLst>
+                            <p:childTnLst>
+                              <p:par>
+                                <p:cTn id="17" presetID="1" presetClass="entr" presetSubtype="0" fill="hold" grpId="0" nodeType="clickEffect">
+                                  <p:stCondLst>
+                                    <p:cond delay="0"/>
+                                  </p:stCondLst>
+                                  <p:childTnLst>
+                                    <p:set>
+                                      <p:cBhvr>
+                                        <p:cTn id="18" dur="1" fill="hold">
+                                          <p:stCondLst>
+                                            <p:cond delay="0"/>
+                                          </p:stCondLst>
+                                        </p:cTn>
+                                        <p:tgtEl>
+                                          <p:spTgt spid="10"/>
+                                        </p:tgtEl>
+                                        <p:attrNameLst>
+                                          <p:attrName>style.visibility</p:attrName>
+                                        </p:attrNameLst>
+                                      </p:cBhvr>
+                                      <p:to>
+                                        <p:strVal val="visible"/>
+                                      </p:to>
+                                    </p:set>
+                                  </p:childTnLst>
+                                </p:cTn>
+                              </p:par>
+                              <p:par>
+                                <p:cTn id="19" presetID="1" presetClass="entr" presetSubtype="0" fill="hold" grpId="0" nodeType="withEffect">
+                                  <p:stCondLst>
+                                    <p:cond delay="0"/>
+                                  </p:stCondLst>
+                                  <p:childTnLst>
+                                    <p:set>
+                                      <p:cBhvr>
+                                        <p:cTn id="20" dur="1" fill="hold">
+                                          <p:stCondLst>
+                                            <p:cond delay="0"/>
+                                          </p:stCondLst>
+                                        </p:cTn>
+                                        <p:tgtEl>
+                                          <p:spTgt spid="8"/>
+                                        </p:tgtEl>
+                                        <p:attrNameLst>
+                                          <p:attrName>style.visibility</p:attrName>
+                                        </p:attrNameLst>
+                                      </p:cBhvr>
+                                      <p:to>
+                                        <p:strVal val="visible"/>
+                                      </p:to>
+                                    </p:set>
+                                  </p:childTnLst>
+                                </p:cTn>
+                              </p:par>
+                            </p:childTnLst>
+                          </p:cTn>
+                        </p:par>
+                      </p:childTnLst>
+                    </p:cTn>
+                  </p:par>
+                </p:childTnLst>
+              </p:cTn>
+              <p:prevCondLst>
+                <p:cond evt="onPrev" delay="0">
+                  <p:tgtEl>
+                    <p:sldTgt/>
+                  </p:tgtEl>
+                </p:cond>
+              </p:prevCondLst>
+              <p:nextCondLst>
+                <p:cond evt="onNext" delay="0">
+                  <p:tgtEl>
+                    <p:sldTgt/>
+                  </p:tgtEl>
+                </p:cond>
+              </p:nextCondLst>
+            </p:seq>
+          </p:childTnLst>
+        </p:cTn>
+      </p:par>
+    </p:tnLst>
+    <p:bldLst>
+      <p:bldP spid="6" grpId="0" animBg="1"/>
+      <p:bldP spid="7" grpId="0" animBg="1"/>
+      <p:bldP spid="8" grpId="0" animBg="1"/>
+      <p:bldP spid="9" grpId="0" animBg="1"/>
+      <p:bldP spid="10" grpId="0" animBg="1"/>
+      <p:bldP spid="11" grpId="0" animBg="1"/>
+    </p:bldLst>
+  </p:timing>
 </p:sld>
 </file>
 
 <file path=ppt/slides/slide3.xml><?xml version="1.0" encoding="utf-8"?>
+<p:sld xmlns:a="http://schemas.openxmlformats.org/drawingml/2006/main" xmlns:r="http://schemas.openxmlformats.org/officeDocument/2006/relationships" xmlns:p="http://schemas.openxmlformats.org/presentationml/2006/main">
+  <p:cSld>
+    <p:bg>
+      <p:bgPr>
+        <a:blipFill dpi="0" rotWithShape="1">
+          <a:blip r:embed="rId2">
+            <a:alphaModFix amt="50000"/>
+            <a:lum/>
+          </a:blip>
+          <a:srcRect/>
+          <a:stretch>
+            <a:fillRect t="-9000" b="-9000"/>
+          </a:stretch>
+        </a:blipFill>
+        <a:effectLst/>
+      </p:bgPr>
+    </p:bg>
+    <p:spTree>
+      <p:nvGrpSpPr>
+        <p:cNvPr id="1" name=""/>
+        <p:cNvGrpSpPr/>
+        <p:nvPr/>
+      </p:nvGrpSpPr>
+      <p:grpSpPr>
+        <a:xfrm>
+          <a:off x="0" y="0"/>
+          <a:ext cx="0" cy="0"/>
+          <a:chOff x="0" y="0"/>
+          <a:chExt cx="0" cy="0"/>
+        </a:xfrm>
+      </p:grpSpPr>
+      <p:sp>
+        <p:nvSpPr>
+          <p:cNvPr id="6" name="Stern: 5 Zacken 5">
+            <a:extLst>
+              <a:ext uri="{FF2B5EF4-FFF2-40B4-BE49-F238E27FC236}">
+                <a16:creationId xmlns:a16="http://schemas.microsoft.com/office/drawing/2014/main" id="{6FAF7EE5-073F-449A-94D3-384B96995C67}"/>
+              </a:ext>
+            </a:extLst>
+          </p:cNvPr>
+          <p:cNvSpPr/>
+          <p:nvPr/>
+        </p:nvSpPr>
+        <p:spPr>
+          <a:xfrm>
+            <a:off x="3962399" y="1828800"/>
+            <a:ext cx="4438650" cy="3724275"/>
+          </a:xfrm>
+          <a:prstGeom prst="star5">
+            <a:avLst/>
+          </a:prstGeom>
+          <a:solidFill>
+            <a:schemeClr val="lt1">
+              <a:alpha val="65000"/>
+            </a:schemeClr>
+          </a:solidFill>
+          <a:ln w="25400">
+            <a:solidFill>
+              <a:schemeClr val="tx1">
+                <a:alpha val="50000"/>
+              </a:schemeClr>
+            </a:solidFill>
+          </a:ln>
+        </p:spPr>
+        <p:style>
+          <a:lnRef idx="2">
+            <a:schemeClr val="accent1">
+              <a:shade val="50000"/>
+            </a:schemeClr>
+          </a:lnRef>
+          <a:fillRef idx="1">
+            <a:schemeClr val="accent1"/>
+          </a:fillRef>
+          <a:effectRef idx="0">
+            <a:schemeClr val="accent1"/>
+          </a:effectRef>
+          <a:fontRef idx="minor">
+            <a:schemeClr val="lt1"/>
+          </a:fontRef>
+        </p:style>
+        <p:txBody>
+          <a:bodyPr rtlCol="0" anchor="ctr"/>
+          <a:lstStyle/>
+          <a:p>
+            <a:pPr algn="ctr"/>
+            <a:r>
+              <a:rPr lang="de-DE" sz="4000" dirty="0">
+                <a:solidFill>
+                  <a:schemeClr val="tx1"/>
+                </a:solidFill>
+                <a:latin typeface="+mj-lt"/>
+              </a:rPr>
+              <a:t>Peer Review</a:t>
+            </a:r>
+          </a:p>
+        </p:txBody>
+      </p:sp>
+      <p:sp>
+        <p:nvSpPr>
+          <p:cNvPr id="8" name="Flussdiagramm: Alternativer Prozess 7">
+            <a:extLst>
+              <a:ext uri="{FF2B5EF4-FFF2-40B4-BE49-F238E27FC236}">
+                <a16:creationId xmlns:a16="http://schemas.microsoft.com/office/drawing/2014/main" id="{324D5443-665F-4BB1-AB46-D831F30385C9}"/>
+              </a:ext>
+            </a:extLst>
+          </p:cNvPr>
+          <p:cNvSpPr/>
+          <p:nvPr/>
+        </p:nvSpPr>
+        <p:spPr>
+          <a:xfrm>
+            <a:off x="3890961" y="119062"/>
+            <a:ext cx="4581525" cy="809625"/>
+          </a:xfrm>
+          <a:prstGeom prst="flowChartAlternateProcess">
+            <a:avLst/>
+          </a:prstGeom>
+          <a:solidFill>
+            <a:schemeClr val="lt1">
+              <a:alpha val="65000"/>
+            </a:schemeClr>
+          </a:solidFill>
+          <a:ln w="25400">
+            <a:solidFill>
+              <a:schemeClr val="tx1">
+                <a:alpha val="50000"/>
+              </a:schemeClr>
+            </a:solidFill>
+          </a:ln>
+        </p:spPr>
+        <p:style>
+          <a:lnRef idx="2">
+            <a:schemeClr val="accent1">
+              <a:shade val="50000"/>
+            </a:schemeClr>
+          </a:lnRef>
+          <a:fillRef idx="1">
+            <a:schemeClr val="accent1"/>
+          </a:fillRef>
+          <a:effectRef idx="0">
+            <a:schemeClr val="accent1"/>
+          </a:effectRef>
+          <a:fontRef idx="minor">
+            <a:schemeClr val="lt1"/>
+          </a:fontRef>
+        </p:style>
+        <p:txBody>
+          <a:bodyPr rot="0" spcFirstLastPara="0" vertOverflow="overflow" horzOverflow="overflow" vert="horz" wrap="square" lIns="91440" tIns="45720" rIns="91440" bIns="45720" numCol="1" spcCol="0" rtlCol="0" fromWordArt="0" anchor="ctr" anchorCtr="0" forceAA="0" compatLnSpc="1">
+            <a:prstTxWarp prst="textNoShape">
+              <a:avLst/>
+            </a:prstTxWarp>
+            <a:noAutofit/>
+          </a:bodyPr>
+          <a:lstStyle/>
+          <a:p>
+            <a:pPr algn="ctr"/>
+            <a:r>
+              <a:rPr lang="de-DE" sz="4000" dirty="0">
+                <a:solidFill>
+                  <a:schemeClr val="tx1"/>
+                </a:solidFill>
+                <a:latin typeface="+mj-lt"/>
+              </a:rPr>
+              <a:t>Code Review</a:t>
+            </a:r>
+          </a:p>
+        </p:txBody>
+      </p:sp>
+      <p:sp>
+        <p:nvSpPr>
+          <p:cNvPr id="9" name="Flussdiagramm: Alternativer Prozess 8">
+            <a:extLst>
+              <a:ext uri="{FF2B5EF4-FFF2-40B4-BE49-F238E27FC236}">
+                <a16:creationId xmlns:a16="http://schemas.microsoft.com/office/drawing/2014/main" id="{27C3D5E2-3B2C-491A-A345-B18A387D6DF8}"/>
+              </a:ext>
+            </a:extLst>
+          </p:cNvPr>
+          <p:cNvSpPr/>
+          <p:nvPr/>
+        </p:nvSpPr>
+        <p:spPr>
+          <a:xfrm>
+            <a:off x="76200" y="2276473"/>
+            <a:ext cx="4581525" cy="809625"/>
+          </a:xfrm>
+          <a:prstGeom prst="flowChartAlternateProcess">
+            <a:avLst/>
+          </a:prstGeom>
+          <a:solidFill>
+            <a:schemeClr val="lt1">
+              <a:alpha val="65000"/>
+            </a:schemeClr>
+          </a:solidFill>
+          <a:ln w="25400">
+            <a:solidFill>
+              <a:schemeClr val="tx1">
+                <a:alpha val="50000"/>
+              </a:schemeClr>
+            </a:solidFill>
+          </a:ln>
+        </p:spPr>
+        <p:style>
+          <a:lnRef idx="2">
+            <a:schemeClr val="accent1">
+              <a:shade val="50000"/>
+            </a:schemeClr>
+          </a:lnRef>
+          <a:fillRef idx="1">
+            <a:schemeClr val="accent1"/>
+          </a:fillRef>
+          <a:effectRef idx="0">
+            <a:schemeClr val="accent1"/>
+          </a:effectRef>
+          <a:fontRef idx="minor">
+            <a:schemeClr val="lt1"/>
+          </a:fontRef>
+        </p:style>
+        <p:txBody>
+          <a:bodyPr rot="0" spcFirstLastPara="0" vertOverflow="overflow" horzOverflow="overflow" vert="horz" wrap="square" lIns="91440" tIns="45720" rIns="91440" bIns="45720" numCol="1" spcCol="0" rtlCol="0" fromWordArt="0" anchor="ctr" anchorCtr="0" forceAA="0" compatLnSpc="1">
+            <a:prstTxWarp prst="textNoShape">
+              <a:avLst/>
+            </a:prstTxWarp>
+            <a:noAutofit/>
+          </a:bodyPr>
+          <a:lstStyle/>
+          <a:p>
+            <a:pPr algn="ctr"/>
+            <a:r>
+              <a:rPr lang="de-DE" sz="4000" dirty="0">
+                <a:solidFill>
+                  <a:schemeClr val="tx1"/>
+                </a:solidFill>
+                <a:latin typeface="+mj-lt"/>
+              </a:rPr>
+              <a:t>Technical Review</a:t>
+            </a:r>
+          </a:p>
+        </p:txBody>
+      </p:sp>
+      <p:sp>
+        <p:nvSpPr>
+          <p:cNvPr id="10" name="Flussdiagramm: Alternativer Prozess 9">
+            <a:extLst>
+              <a:ext uri="{FF2B5EF4-FFF2-40B4-BE49-F238E27FC236}">
+                <a16:creationId xmlns:a16="http://schemas.microsoft.com/office/drawing/2014/main" id="{ED240CA6-8A3B-4F7F-80D8-434D5A678031}"/>
+              </a:ext>
+            </a:extLst>
+          </p:cNvPr>
+          <p:cNvSpPr/>
+          <p:nvPr/>
+        </p:nvSpPr>
+        <p:spPr>
+          <a:xfrm>
+            <a:off x="7543799" y="2276473"/>
+            <a:ext cx="4581525" cy="809625"/>
+          </a:xfrm>
+          <a:prstGeom prst="flowChartAlternateProcess">
+            <a:avLst/>
+          </a:prstGeom>
+          <a:solidFill>
+            <a:schemeClr val="lt1">
+              <a:alpha val="65000"/>
+            </a:schemeClr>
+          </a:solidFill>
+          <a:ln w="25400">
+            <a:solidFill>
+              <a:schemeClr val="tx1">
+                <a:alpha val="50000"/>
+              </a:schemeClr>
+            </a:solidFill>
+          </a:ln>
+        </p:spPr>
+        <p:style>
+          <a:lnRef idx="2">
+            <a:schemeClr val="accent1">
+              <a:shade val="50000"/>
+            </a:schemeClr>
+          </a:lnRef>
+          <a:fillRef idx="1">
+            <a:schemeClr val="accent1"/>
+          </a:fillRef>
+          <a:effectRef idx="0">
+            <a:schemeClr val="accent1"/>
+          </a:effectRef>
+          <a:fontRef idx="minor">
+            <a:schemeClr val="lt1"/>
+          </a:fontRef>
+        </p:style>
+        <p:txBody>
+          <a:bodyPr rot="0" spcFirstLastPara="0" vertOverflow="overflow" horzOverflow="overflow" vert="horz" wrap="square" lIns="91440" tIns="45720" rIns="91440" bIns="45720" numCol="1" spcCol="0" rtlCol="0" fromWordArt="0" anchor="ctr" anchorCtr="0" forceAA="0" compatLnSpc="1">
+            <a:prstTxWarp prst="textNoShape">
+              <a:avLst/>
+            </a:prstTxWarp>
+            <a:noAutofit/>
+          </a:bodyPr>
+          <a:lstStyle/>
+          <a:p>
+            <a:pPr algn="ctr"/>
+            <a:r>
+              <a:rPr lang="de-DE" sz="4000" dirty="0">
+                <a:solidFill>
+                  <a:schemeClr val="tx1"/>
+                </a:solidFill>
+                <a:latin typeface="+mj-lt"/>
+              </a:rPr>
+              <a:t>Pair </a:t>
+            </a:r>
+            <a:r>
+              <a:rPr lang="de-DE" sz="4000" dirty="0" err="1">
+                <a:solidFill>
+                  <a:schemeClr val="tx1"/>
+                </a:solidFill>
+                <a:latin typeface="+mj-lt"/>
+              </a:rPr>
+              <a:t>Programming</a:t>
+            </a:r>
+            <a:endParaRPr lang="de-DE" sz="4000" dirty="0">
+              <a:solidFill>
+                <a:schemeClr val="tx1"/>
+              </a:solidFill>
+              <a:latin typeface="+mj-lt"/>
+            </a:endParaRPr>
+          </a:p>
+        </p:txBody>
+      </p:sp>
+      <p:sp>
+        <p:nvSpPr>
+          <p:cNvPr id="11" name="Flussdiagramm: Alternativer Prozess 10">
+            <a:extLst>
+              <a:ext uri="{FF2B5EF4-FFF2-40B4-BE49-F238E27FC236}">
+                <a16:creationId xmlns:a16="http://schemas.microsoft.com/office/drawing/2014/main" id="{9B7263EE-6A2B-421B-89AB-D5DB6BFE420C}"/>
+              </a:ext>
+            </a:extLst>
+          </p:cNvPr>
+          <p:cNvSpPr/>
+          <p:nvPr/>
+        </p:nvSpPr>
+        <p:spPr>
+          <a:xfrm>
+            <a:off x="285749" y="5695949"/>
+            <a:ext cx="4581525" cy="809625"/>
+          </a:xfrm>
+          <a:prstGeom prst="flowChartAlternateProcess">
+            <a:avLst/>
+          </a:prstGeom>
+          <a:solidFill>
+            <a:schemeClr val="lt1">
+              <a:alpha val="65000"/>
+            </a:schemeClr>
+          </a:solidFill>
+          <a:ln w="25400">
+            <a:solidFill>
+              <a:schemeClr val="tx1">
+                <a:alpha val="50000"/>
+              </a:schemeClr>
+            </a:solidFill>
+          </a:ln>
+        </p:spPr>
+        <p:style>
+          <a:lnRef idx="2">
+            <a:schemeClr val="accent1">
+              <a:shade val="50000"/>
+            </a:schemeClr>
+          </a:lnRef>
+          <a:fillRef idx="1">
+            <a:schemeClr val="accent1"/>
+          </a:fillRef>
+          <a:effectRef idx="0">
+            <a:schemeClr val="accent1"/>
+          </a:effectRef>
+          <a:fontRef idx="minor">
+            <a:schemeClr val="lt1"/>
+          </a:fontRef>
+        </p:style>
+        <p:txBody>
+          <a:bodyPr rot="0" spcFirstLastPara="0" vertOverflow="overflow" horzOverflow="overflow" vert="horz" wrap="square" lIns="91440" tIns="45720" rIns="91440" bIns="45720" numCol="1" spcCol="0" rtlCol="0" fromWordArt="0" anchor="ctr" anchorCtr="0" forceAA="0" compatLnSpc="1">
+            <a:prstTxWarp prst="textNoShape">
+              <a:avLst/>
+            </a:prstTxWarp>
+            <a:noAutofit/>
+          </a:bodyPr>
+          <a:lstStyle/>
+          <a:p>
+            <a:pPr algn="ctr"/>
+            <a:r>
+              <a:rPr lang="de-DE" sz="4000" dirty="0" err="1">
+                <a:solidFill>
+                  <a:schemeClr val="tx1"/>
+                </a:solidFill>
+                <a:latin typeface="+mj-lt"/>
+              </a:rPr>
+              <a:t>Walkthrough</a:t>
+            </a:r>
+            <a:endParaRPr lang="de-DE" sz="4000" dirty="0">
+              <a:solidFill>
+                <a:schemeClr val="tx1"/>
+              </a:solidFill>
+              <a:latin typeface="+mj-lt"/>
+            </a:endParaRPr>
+          </a:p>
+        </p:txBody>
+      </p:sp>
+      <p:sp>
+        <p:nvSpPr>
+          <p:cNvPr id="12" name="Flussdiagramm: Alternativer Prozess 11">
+            <a:extLst>
+              <a:ext uri="{FF2B5EF4-FFF2-40B4-BE49-F238E27FC236}">
+                <a16:creationId xmlns:a16="http://schemas.microsoft.com/office/drawing/2014/main" id="{7DE1D8C5-358D-468C-B124-EE20279472B0}"/>
+              </a:ext>
+            </a:extLst>
+          </p:cNvPr>
+          <p:cNvSpPr/>
+          <p:nvPr/>
+        </p:nvSpPr>
+        <p:spPr>
+          <a:xfrm>
+            <a:off x="7305674" y="5695950"/>
+            <a:ext cx="4581525" cy="809625"/>
+          </a:xfrm>
+          <a:prstGeom prst="flowChartAlternateProcess">
+            <a:avLst/>
+          </a:prstGeom>
+          <a:solidFill>
+            <a:schemeClr val="lt1">
+              <a:alpha val="65000"/>
+            </a:schemeClr>
+          </a:solidFill>
+          <a:ln w="25400">
+            <a:solidFill>
+              <a:schemeClr val="tx1">
+                <a:alpha val="50000"/>
+              </a:schemeClr>
+            </a:solidFill>
+          </a:ln>
+        </p:spPr>
+        <p:style>
+          <a:lnRef idx="2">
+            <a:schemeClr val="accent1">
+              <a:shade val="50000"/>
+            </a:schemeClr>
+          </a:lnRef>
+          <a:fillRef idx="1">
+            <a:schemeClr val="accent1"/>
+          </a:fillRef>
+          <a:effectRef idx="0">
+            <a:schemeClr val="accent1"/>
+          </a:effectRef>
+          <a:fontRef idx="minor">
+            <a:schemeClr val="lt1"/>
+          </a:fontRef>
+        </p:style>
+        <p:txBody>
+          <a:bodyPr rot="0" spcFirstLastPara="0" vertOverflow="overflow" horzOverflow="overflow" vert="horz" wrap="square" lIns="91440" tIns="45720" rIns="91440" bIns="45720" numCol="1" spcCol="0" rtlCol="0" fromWordArt="0" anchor="ctr" anchorCtr="0" forceAA="0" compatLnSpc="1">
+            <a:prstTxWarp prst="textNoShape">
+              <a:avLst/>
+            </a:prstTxWarp>
+            <a:noAutofit/>
+          </a:bodyPr>
+          <a:lstStyle/>
+          <a:p>
+            <a:pPr algn="ctr"/>
+            <a:r>
+              <a:rPr lang="de-DE" sz="4000" dirty="0" err="1">
+                <a:solidFill>
+                  <a:schemeClr val="tx1"/>
+                </a:solidFill>
+                <a:latin typeface="+mj-lt"/>
+              </a:rPr>
+              <a:t>Inspection</a:t>
+            </a:r>
+            <a:endParaRPr lang="de-DE" sz="4000" dirty="0">
+              <a:solidFill>
+                <a:schemeClr val="tx1"/>
+              </a:solidFill>
+              <a:latin typeface="+mj-lt"/>
+            </a:endParaRPr>
+          </a:p>
+        </p:txBody>
+      </p:sp>
+      <p:sp>
+        <p:nvSpPr>
+          <p:cNvPr id="15" name="Textfeld 14">
+            <a:extLst>
+              <a:ext uri="{FF2B5EF4-FFF2-40B4-BE49-F238E27FC236}">
+                <a16:creationId xmlns:a16="http://schemas.microsoft.com/office/drawing/2014/main" id="{5E767858-F7AB-4106-BCFD-8D1506873BBB}"/>
+              </a:ext>
+            </a:extLst>
+          </p:cNvPr>
+          <p:cNvSpPr txBox="1"/>
+          <p:nvPr/>
+        </p:nvSpPr>
+        <p:spPr>
+          <a:xfrm>
+            <a:off x="10201275" y="0"/>
+            <a:ext cx="2085975" cy="369332"/>
+          </a:xfrm>
+          <a:prstGeom prst="rect">
+            <a:avLst/>
+          </a:prstGeom>
+          <a:noFill/>
+        </p:spPr>
+        <p:txBody>
+          <a:bodyPr wrap="square" rtlCol="0">
+            <a:spAutoFit/>
+          </a:bodyPr>
+          <a:lstStyle/>
+          <a:p>
+            <a:r>
+              <a:rPr lang="de-DE" dirty="0"/>
+              <a:t>[2. Review </a:t>
+            </a:r>
+            <a:r>
+              <a:rPr lang="de-DE" dirty="0" err="1"/>
+              <a:t>Types</a:t>
+            </a:r>
+            <a:r>
+              <a:rPr lang="de-DE" dirty="0"/>
+              <a:t>]</a:t>
+            </a:r>
+          </a:p>
+        </p:txBody>
+      </p:sp>
+    </p:spTree>
+    <p:extLst>
+      <p:ext uri="{BB962C8B-B14F-4D97-AF65-F5344CB8AC3E}">
+        <p14:creationId xmlns:p14="http://schemas.microsoft.com/office/powerpoint/2010/main" val="2563917084"/>
+      </p:ext>
+    </p:extLst>
+  </p:cSld>
+  <p:clrMapOvr>
+    <a:masterClrMapping/>
+  </p:clrMapOvr>
+  <p:timing>
+    <p:tnLst>
+      <p:par>
+        <p:cTn id="1" dur="indefinite" restart="never" nodeType="tmRoot">
+          <p:childTnLst>
+            <p:seq concurrent="1" nextAc="seek">
+              <p:cTn id="2" dur="indefinite" nodeType="mainSeq">
+                <p:childTnLst>
+                  <p:par>
+                    <p:cTn id="3" fill="hold">
+                      <p:stCondLst>
+                        <p:cond delay="indefinite"/>
+                      </p:stCondLst>
+                      <p:childTnLst>
+                        <p:par>
+                          <p:cTn id="4" fill="hold">
+                            <p:stCondLst>
+                              <p:cond delay="0"/>
+                            </p:stCondLst>
+                            <p:childTnLst>
+                              <p:par>
+                                <p:cTn id="5" presetID="1" presetClass="entr" presetSubtype="0" fill="hold" grpId="0" nodeType="clickEffect">
+                                  <p:stCondLst>
+                                    <p:cond delay="0"/>
+                                  </p:stCondLst>
+                                  <p:childTnLst>
+                                    <p:set>
+                                      <p:cBhvr>
+                                        <p:cTn id="6" dur="1" fill="hold">
+                                          <p:stCondLst>
+                                            <p:cond delay="0"/>
+                                          </p:stCondLst>
+                                        </p:cTn>
+                                        <p:tgtEl>
+                                          <p:spTgt spid="8"/>
+                                        </p:tgtEl>
+                                        <p:attrNameLst>
+                                          <p:attrName>style.visibility</p:attrName>
+                                        </p:attrNameLst>
+                                      </p:cBhvr>
+                                      <p:to>
+                                        <p:strVal val="visible"/>
+                                      </p:to>
+                                    </p:set>
+                                  </p:childTnLst>
+                                </p:cTn>
+                              </p:par>
+                            </p:childTnLst>
+                          </p:cTn>
+                        </p:par>
+                      </p:childTnLst>
+                    </p:cTn>
+                  </p:par>
+                  <p:par>
+                    <p:cTn id="7" fill="hold">
+                      <p:stCondLst>
+                        <p:cond delay="indefinite"/>
+                      </p:stCondLst>
+                      <p:childTnLst>
+                        <p:par>
+                          <p:cTn id="8" fill="hold">
+                            <p:stCondLst>
+                              <p:cond delay="0"/>
+                            </p:stCondLst>
+                            <p:childTnLst>
+                              <p:par>
+                                <p:cTn id="9" presetID="1" presetClass="entr" presetSubtype="0" fill="hold" grpId="0" nodeType="clickEffect">
+                                  <p:stCondLst>
+                                    <p:cond delay="0"/>
+                                  </p:stCondLst>
+                                  <p:childTnLst>
+                                    <p:set>
+                                      <p:cBhvr>
+                                        <p:cTn id="10" dur="1" fill="hold">
+                                          <p:stCondLst>
+                                            <p:cond delay="0"/>
+                                          </p:stCondLst>
+                                        </p:cTn>
+                                        <p:tgtEl>
+                                          <p:spTgt spid="10"/>
+                                        </p:tgtEl>
+                                        <p:attrNameLst>
+                                          <p:attrName>style.visibility</p:attrName>
+                                        </p:attrNameLst>
+                                      </p:cBhvr>
+                                      <p:to>
+                                        <p:strVal val="visible"/>
+                                      </p:to>
+                                    </p:set>
+                                  </p:childTnLst>
+                                </p:cTn>
+                              </p:par>
+                            </p:childTnLst>
+                          </p:cTn>
+                        </p:par>
+                      </p:childTnLst>
+                    </p:cTn>
+                  </p:par>
+                  <p:par>
+                    <p:cTn id="11" fill="hold">
+                      <p:stCondLst>
+                        <p:cond delay="indefinite"/>
+                      </p:stCondLst>
+                      <p:childTnLst>
+                        <p:par>
+                          <p:cTn id="12" fill="hold">
+                            <p:stCondLst>
+                              <p:cond delay="0"/>
+                            </p:stCondLst>
+                            <p:childTnLst>
+                              <p:par>
+                                <p:cTn id="13" presetID="1" presetClass="entr" presetSubtype="0" fill="hold" grpId="0" nodeType="clickEffect">
+                                  <p:stCondLst>
+                                    <p:cond delay="0"/>
+                                  </p:stCondLst>
+                                  <p:childTnLst>
+                                    <p:set>
+                                      <p:cBhvr>
+                                        <p:cTn id="14" dur="1" fill="hold">
+                                          <p:stCondLst>
+                                            <p:cond delay="0"/>
+                                          </p:stCondLst>
+                                        </p:cTn>
+                                        <p:tgtEl>
+                                          <p:spTgt spid="12"/>
+                                        </p:tgtEl>
+                                        <p:attrNameLst>
+                                          <p:attrName>style.visibility</p:attrName>
+                                        </p:attrNameLst>
+                                      </p:cBhvr>
+                                      <p:to>
+                                        <p:strVal val="visible"/>
+                                      </p:to>
+                                    </p:set>
+                                  </p:childTnLst>
+                                </p:cTn>
+                              </p:par>
+                            </p:childTnLst>
+                          </p:cTn>
+                        </p:par>
+                      </p:childTnLst>
+                    </p:cTn>
+                  </p:par>
+                  <p:par>
+                    <p:cTn id="15" fill="hold">
+                      <p:stCondLst>
+                        <p:cond delay="indefinite"/>
+                      </p:stCondLst>
+                      <p:childTnLst>
+                        <p:par>
+                          <p:cTn id="16" fill="hold">
+                            <p:stCondLst>
+                              <p:cond delay="0"/>
+                            </p:stCondLst>
+                            <p:childTnLst>
+                              <p:par>
+                                <p:cTn id="17" presetID="1" presetClass="entr" presetSubtype="0" fill="hold" grpId="0" nodeType="clickEffect">
+                                  <p:stCondLst>
+                                    <p:cond delay="0"/>
+                                  </p:stCondLst>
+                                  <p:childTnLst>
+                                    <p:set>
+                                      <p:cBhvr>
+                                        <p:cTn id="18" dur="1" fill="hold">
+                                          <p:stCondLst>
+                                            <p:cond delay="0"/>
+                                          </p:stCondLst>
+                                        </p:cTn>
+                                        <p:tgtEl>
+                                          <p:spTgt spid="11"/>
+                                        </p:tgtEl>
+                                        <p:attrNameLst>
+                                          <p:attrName>style.visibility</p:attrName>
+                                        </p:attrNameLst>
+                                      </p:cBhvr>
+                                      <p:to>
+                                        <p:strVal val="visible"/>
+                                      </p:to>
+                                    </p:set>
+                                  </p:childTnLst>
+                                </p:cTn>
+                              </p:par>
+                            </p:childTnLst>
+                          </p:cTn>
+                        </p:par>
+                      </p:childTnLst>
+                    </p:cTn>
+                  </p:par>
+                  <p:par>
+                    <p:cTn id="19" fill="hold">
+                      <p:stCondLst>
+                        <p:cond delay="indefinite"/>
+                      </p:stCondLst>
+                      <p:childTnLst>
+                        <p:par>
+                          <p:cTn id="20" fill="hold">
+                            <p:stCondLst>
+                              <p:cond delay="0"/>
+                            </p:stCondLst>
+                            <p:childTnLst>
+                              <p:par>
+                                <p:cTn id="21" presetID="1" presetClass="entr" presetSubtype="0" fill="hold" grpId="0" nodeType="clickEffect">
+                                  <p:stCondLst>
+                                    <p:cond delay="0"/>
+                                  </p:stCondLst>
+                                  <p:childTnLst>
+                                    <p:set>
+                                      <p:cBhvr>
+                                        <p:cTn id="22" dur="1" fill="hold">
+                                          <p:stCondLst>
+                                            <p:cond delay="0"/>
+                                          </p:stCondLst>
+                                        </p:cTn>
+                                        <p:tgtEl>
+                                          <p:spTgt spid="9"/>
+                                        </p:tgtEl>
+                                        <p:attrNameLst>
+                                          <p:attrName>style.visibility</p:attrName>
+                                        </p:attrNameLst>
+                                      </p:cBhvr>
+                                      <p:to>
+                                        <p:strVal val="visible"/>
+                                      </p:to>
+                                    </p:set>
+                                  </p:childTnLst>
+                                </p:cTn>
+                              </p:par>
+                            </p:childTnLst>
+                          </p:cTn>
+                        </p:par>
+                      </p:childTnLst>
+                    </p:cTn>
+                  </p:par>
+                </p:childTnLst>
+              </p:cTn>
+              <p:prevCondLst>
+                <p:cond evt="onPrev" delay="0">
+                  <p:tgtEl>
+                    <p:sldTgt/>
+                  </p:tgtEl>
+                </p:cond>
+              </p:prevCondLst>
+              <p:nextCondLst>
+                <p:cond evt="onNext" delay="0">
+                  <p:tgtEl>
+                    <p:sldTgt/>
+                  </p:tgtEl>
+                </p:cond>
+              </p:nextCondLst>
+            </p:seq>
+          </p:childTnLst>
+        </p:cTn>
+      </p:par>
+    </p:tnLst>
+    <p:bldLst>
+      <p:bldP spid="8" grpId="0" animBg="1"/>
+      <p:bldP spid="9" grpId="0" animBg="1"/>
+      <p:bldP spid="10" grpId="0" animBg="1"/>
+      <p:bldP spid="11" grpId="0" animBg="1"/>
+      <p:bldP spid="12" grpId="0" animBg="1"/>
+    </p:bldLst>
+  </p:timing>
+</p:sld>
+</file>
+
+<file path=ppt/slides/slide4.xml><?xml version="1.0" encoding="utf-8"?>
+<p:sld xmlns:a="http://schemas.openxmlformats.org/drawingml/2006/main" xmlns:r="http://schemas.openxmlformats.org/officeDocument/2006/relationships" xmlns:p="http://schemas.openxmlformats.org/presentationml/2006/main">
+  <p:cSld>
+    <p:bg>
+      <p:bgPr>
+        <a:blipFill dpi="0" rotWithShape="1">
+          <a:blip r:embed="rId2">
+            <a:alphaModFix amt="25000"/>
+            <a:extLst>
+              <a:ext uri="{BEBA8EAE-BF5A-486C-A8C5-ECC9F3942E4B}">
+                <a14:imgProps xmlns:a14="http://schemas.microsoft.com/office/drawing/2010/main">
+                  <a14:imgLayer r:embed="rId3">
+                    <a14:imgEffect>
+                      <a14:brightnessContrast bright="-20000" contrast="20000"/>
+                    </a14:imgEffect>
+                  </a14:imgLayer>
+                </a14:imgProps>
+              </a:ext>
+            </a:extLst>
+          </a:blip>
+          <a:srcRect/>
+          <a:stretch>
+            <a:fillRect/>
+          </a:stretch>
+        </a:blipFill>
+        <a:effectLst/>
+      </p:bgPr>
+    </p:bg>
+    <p:spTree>
+      <p:nvGrpSpPr>
+        <p:cNvPr id="1" name=""/>
+        <p:cNvGrpSpPr/>
+        <p:nvPr/>
+      </p:nvGrpSpPr>
+      <p:grpSpPr>
+        <a:xfrm>
+          <a:off x="0" y="0"/>
+          <a:ext cx="0" cy="0"/>
+          <a:chOff x="0" y="0"/>
+          <a:chExt cx="0" cy="0"/>
+        </a:xfrm>
+      </p:grpSpPr>
+      <p:sp>
+        <p:nvSpPr>
+          <p:cNvPr id="4" name="Textfeld 3">
+            <a:extLst>
+              <a:ext uri="{FF2B5EF4-FFF2-40B4-BE49-F238E27FC236}">
+                <a16:creationId xmlns:a16="http://schemas.microsoft.com/office/drawing/2014/main" id="{9CC530E2-823C-4F33-A636-0E3EF1F8296E}"/>
+              </a:ext>
+            </a:extLst>
+          </p:cNvPr>
+          <p:cNvSpPr txBox="1"/>
+          <p:nvPr/>
+        </p:nvSpPr>
+        <p:spPr>
+          <a:xfrm>
+            <a:off x="10201275" y="0"/>
+            <a:ext cx="2085975" cy="369332"/>
+          </a:xfrm>
+          <a:prstGeom prst="rect">
+            <a:avLst/>
+          </a:prstGeom>
+          <a:noFill/>
+        </p:spPr>
+        <p:txBody>
+          <a:bodyPr wrap="square" rtlCol="0">
+            <a:spAutoFit/>
+          </a:bodyPr>
+          <a:lstStyle/>
+          <a:p>
+            <a:r>
+              <a:rPr lang="de-DE" dirty="0"/>
+              <a:t>[3. </a:t>
+            </a:r>
+            <a:r>
+              <a:rPr lang="de-DE" dirty="0" err="1"/>
+              <a:t>Process</a:t>
+            </a:r>
+            <a:r>
+              <a:rPr lang="de-DE" dirty="0"/>
+              <a:t>]</a:t>
+            </a:r>
+          </a:p>
+        </p:txBody>
+      </p:sp>
+      <p:sp>
+        <p:nvSpPr>
+          <p:cNvPr id="28" name="Rechteck 27">
+            <a:extLst>
+              <a:ext uri="{FF2B5EF4-FFF2-40B4-BE49-F238E27FC236}">
+                <a16:creationId xmlns:a16="http://schemas.microsoft.com/office/drawing/2014/main" id="{B6A42405-2ADA-440E-8BC1-563E86D0511E}"/>
+              </a:ext>
+            </a:extLst>
+          </p:cNvPr>
+          <p:cNvSpPr/>
+          <p:nvPr/>
+        </p:nvSpPr>
+        <p:spPr>
+          <a:xfrm>
+            <a:off x="0" y="6076950"/>
+            <a:ext cx="12192000" cy="781050"/>
+          </a:xfrm>
+          <a:prstGeom prst="rect">
+            <a:avLst/>
+          </a:prstGeom>
+          <a:solidFill>
+            <a:schemeClr val="lt1">
+              <a:alpha val="65000"/>
+            </a:schemeClr>
+          </a:solidFill>
+          <a:ln w="25400">
+            <a:solidFill>
+              <a:schemeClr val="tx1">
+                <a:alpha val="50000"/>
+              </a:schemeClr>
+            </a:solidFill>
+          </a:ln>
+        </p:spPr>
+        <p:style>
+          <a:lnRef idx="2">
+            <a:schemeClr val="accent1">
+              <a:shade val="50000"/>
+            </a:schemeClr>
+          </a:lnRef>
+          <a:fillRef idx="1">
+            <a:schemeClr val="accent1"/>
+          </a:fillRef>
+          <a:effectRef idx="0">
+            <a:schemeClr val="accent1"/>
+          </a:effectRef>
+          <a:fontRef idx="minor">
+            <a:schemeClr val="lt1"/>
+          </a:fontRef>
+        </p:style>
+        <p:txBody>
+          <a:bodyPr rtlCol="0" anchor="ctr"/>
+          <a:lstStyle/>
+          <a:p>
+            <a:r>
+              <a:rPr lang="de-DE" sz="4400" dirty="0">
+                <a:solidFill>
+                  <a:schemeClr val="tx1"/>
+                </a:solidFill>
+                <a:latin typeface="Centaur" panose="02030504050205020304" pitchFamily="18" charset="0"/>
+              </a:rPr>
+              <a:t>Management </a:t>
+            </a:r>
+            <a:r>
+              <a:rPr lang="de-DE" sz="4400" dirty="0" err="1">
+                <a:solidFill>
+                  <a:schemeClr val="tx1"/>
+                </a:solidFill>
+                <a:latin typeface="Centaur" panose="02030504050205020304" pitchFamily="18" charset="0"/>
+              </a:rPr>
+              <a:t>Preparation</a:t>
+            </a:r>
+            <a:endParaRPr lang="de-DE" sz="4400" dirty="0">
+              <a:solidFill>
+                <a:schemeClr val="tx1"/>
+              </a:solidFill>
+              <a:latin typeface="Centaur" panose="02030504050205020304" pitchFamily="18" charset="0"/>
+            </a:endParaRPr>
+          </a:p>
+        </p:txBody>
+      </p:sp>
+      <p:sp>
+        <p:nvSpPr>
+          <p:cNvPr id="29" name="Rechteck 28">
+            <a:extLst>
+              <a:ext uri="{FF2B5EF4-FFF2-40B4-BE49-F238E27FC236}">
+                <a16:creationId xmlns:a16="http://schemas.microsoft.com/office/drawing/2014/main" id="{338D1314-1E45-4762-91F4-E0D4E275F488}"/>
+              </a:ext>
+            </a:extLst>
+          </p:cNvPr>
+          <p:cNvSpPr/>
+          <p:nvPr/>
+        </p:nvSpPr>
+        <p:spPr>
+          <a:xfrm>
+            <a:off x="1400174" y="5295900"/>
+            <a:ext cx="10791825" cy="781050"/>
+          </a:xfrm>
+          <a:prstGeom prst="rect">
+            <a:avLst/>
+          </a:prstGeom>
+          <a:solidFill>
+            <a:schemeClr val="lt1">
+              <a:alpha val="65000"/>
+            </a:schemeClr>
+          </a:solidFill>
+          <a:ln w="25400">
+            <a:solidFill>
+              <a:schemeClr val="tx1">
+                <a:alpha val="50000"/>
+              </a:schemeClr>
+            </a:solidFill>
+          </a:ln>
+        </p:spPr>
+        <p:style>
+          <a:lnRef idx="2">
+            <a:schemeClr val="accent1">
+              <a:shade val="50000"/>
+            </a:schemeClr>
+          </a:lnRef>
+          <a:fillRef idx="1">
+            <a:schemeClr val="accent1"/>
+          </a:fillRef>
+          <a:effectRef idx="0">
+            <a:schemeClr val="accent1"/>
+          </a:effectRef>
+          <a:fontRef idx="minor">
+            <a:schemeClr val="lt1"/>
+          </a:fontRef>
+        </p:style>
+        <p:txBody>
+          <a:bodyPr rtlCol="0" anchor="ctr"/>
+          <a:lstStyle/>
+          <a:p>
+            <a:r>
+              <a:rPr lang="de-DE" sz="4400" dirty="0" err="1">
+                <a:solidFill>
+                  <a:schemeClr val="tx1"/>
+                </a:solidFill>
+                <a:latin typeface="Centaur" panose="02030504050205020304" pitchFamily="18" charset="0"/>
+              </a:rPr>
+              <a:t>Planning</a:t>
+            </a:r>
+            <a:r>
+              <a:rPr lang="de-DE" sz="4400" dirty="0">
+                <a:solidFill>
+                  <a:schemeClr val="tx1"/>
+                </a:solidFill>
+                <a:latin typeface="Centaur" panose="02030504050205020304" pitchFamily="18" charset="0"/>
+              </a:rPr>
+              <a:t> The Review</a:t>
+            </a:r>
+          </a:p>
+        </p:txBody>
+      </p:sp>
+      <p:sp>
+        <p:nvSpPr>
+          <p:cNvPr id="30" name="Rechteck 29">
+            <a:extLst>
+              <a:ext uri="{FF2B5EF4-FFF2-40B4-BE49-F238E27FC236}">
+                <a16:creationId xmlns:a16="http://schemas.microsoft.com/office/drawing/2014/main" id="{C2B3C2EC-EB54-47D8-8A8D-25A2D32B7A12}"/>
+              </a:ext>
+            </a:extLst>
+          </p:cNvPr>
+          <p:cNvSpPr/>
+          <p:nvPr/>
+        </p:nvSpPr>
+        <p:spPr>
+          <a:xfrm>
+            <a:off x="2800349" y="4514850"/>
+            <a:ext cx="9391649" cy="781050"/>
+          </a:xfrm>
+          <a:prstGeom prst="rect">
+            <a:avLst/>
+          </a:prstGeom>
+          <a:solidFill>
+            <a:schemeClr val="lt1">
+              <a:alpha val="65000"/>
+            </a:schemeClr>
+          </a:solidFill>
+          <a:ln w="25400">
+            <a:solidFill>
+              <a:schemeClr val="tx1">
+                <a:alpha val="50000"/>
+              </a:schemeClr>
+            </a:solidFill>
+          </a:ln>
+        </p:spPr>
+        <p:style>
+          <a:lnRef idx="2">
+            <a:schemeClr val="accent1">
+              <a:shade val="50000"/>
+            </a:schemeClr>
+          </a:lnRef>
+          <a:fillRef idx="1">
+            <a:schemeClr val="accent1"/>
+          </a:fillRef>
+          <a:effectRef idx="0">
+            <a:schemeClr val="accent1"/>
+          </a:effectRef>
+          <a:fontRef idx="minor">
+            <a:schemeClr val="lt1"/>
+          </a:fontRef>
+        </p:style>
+        <p:txBody>
+          <a:bodyPr rtlCol="0" anchor="ctr"/>
+          <a:lstStyle/>
+          <a:p>
+            <a:r>
+              <a:rPr lang="de-DE" sz="4400" dirty="0" err="1">
+                <a:solidFill>
+                  <a:schemeClr val="tx1"/>
+                </a:solidFill>
+                <a:latin typeface="Centaur" panose="02030504050205020304" pitchFamily="18" charset="0"/>
+              </a:rPr>
+              <a:t>Overview</a:t>
+            </a:r>
+            <a:r>
+              <a:rPr lang="de-DE" sz="4400" dirty="0">
+                <a:solidFill>
+                  <a:schemeClr val="tx1"/>
+                </a:solidFill>
+                <a:latin typeface="Centaur" panose="02030504050205020304" pitchFamily="18" charset="0"/>
+              </a:rPr>
+              <a:t> </a:t>
+            </a:r>
+            <a:r>
+              <a:rPr lang="de-DE" sz="4400" dirty="0" err="1">
+                <a:solidFill>
+                  <a:schemeClr val="tx1"/>
+                </a:solidFill>
+                <a:latin typeface="Centaur" panose="02030504050205020304" pitchFamily="18" charset="0"/>
+              </a:rPr>
+              <a:t>Of</a:t>
+            </a:r>
+            <a:r>
+              <a:rPr lang="de-DE" sz="4400" dirty="0">
+                <a:solidFill>
+                  <a:schemeClr val="tx1"/>
+                </a:solidFill>
+                <a:latin typeface="Centaur" panose="02030504050205020304" pitchFamily="18" charset="0"/>
+              </a:rPr>
+              <a:t> Review </a:t>
+            </a:r>
+            <a:r>
+              <a:rPr lang="de-DE" sz="4400" dirty="0" err="1">
+                <a:solidFill>
+                  <a:schemeClr val="tx1"/>
+                </a:solidFill>
+                <a:latin typeface="Centaur" panose="02030504050205020304" pitchFamily="18" charset="0"/>
+              </a:rPr>
+              <a:t>Procedures</a:t>
+            </a:r>
+            <a:endParaRPr lang="de-DE" sz="4400" dirty="0">
+              <a:solidFill>
+                <a:schemeClr val="tx1"/>
+              </a:solidFill>
+              <a:latin typeface="Centaur" panose="02030504050205020304" pitchFamily="18" charset="0"/>
+            </a:endParaRPr>
+          </a:p>
+        </p:txBody>
+      </p:sp>
+      <p:sp>
+        <p:nvSpPr>
+          <p:cNvPr id="31" name="Rechteck 30">
+            <a:extLst>
+              <a:ext uri="{FF2B5EF4-FFF2-40B4-BE49-F238E27FC236}">
+                <a16:creationId xmlns:a16="http://schemas.microsoft.com/office/drawing/2014/main" id="{A9B70DFC-B6EE-40B9-8F0E-AC92265AA836}"/>
+              </a:ext>
+            </a:extLst>
+          </p:cNvPr>
+          <p:cNvSpPr/>
+          <p:nvPr/>
+        </p:nvSpPr>
+        <p:spPr>
+          <a:xfrm>
+            <a:off x="4267200" y="3733800"/>
+            <a:ext cx="7924798" cy="781050"/>
+          </a:xfrm>
+          <a:prstGeom prst="rect">
+            <a:avLst/>
+          </a:prstGeom>
+          <a:solidFill>
+            <a:schemeClr val="lt1">
+              <a:alpha val="65000"/>
+            </a:schemeClr>
+          </a:solidFill>
+          <a:ln w="25400">
+            <a:solidFill>
+              <a:schemeClr val="tx1">
+                <a:alpha val="50000"/>
+              </a:schemeClr>
+            </a:solidFill>
+          </a:ln>
+        </p:spPr>
+        <p:style>
+          <a:lnRef idx="2">
+            <a:schemeClr val="accent1">
+              <a:shade val="50000"/>
+            </a:schemeClr>
+          </a:lnRef>
+          <a:fillRef idx="1">
+            <a:schemeClr val="accent1"/>
+          </a:fillRef>
+          <a:effectRef idx="0">
+            <a:schemeClr val="accent1"/>
+          </a:effectRef>
+          <a:fontRef idx="minor">
+            <a:schemeClr val="lt1"/>
+          </a:fontRef>
+        </p:style>
+        <p:txBody>
+          <a:bodyPr rtlCol="0" anchor="ctr"/>
+          <a:lstStyle/>
+          <a:p>
+            <a:r>
+              <a:rPr lang="de-DE" sz="4400" dirty="0" err="1">
+                <a:solidFill>
+                  <a:schemeClr val="tx1"/>
+                </a:solidFill>
+                <a:latin typeface="Centaur" panose="02030504050205020304" pitchFamily="18" charset="0"/>
+              </a:rPr>
+              <a:t>Indicidual</a:t>
+            </a:r>
+            <a:r>
+              <a:rPr lang="de-DE" sz="4400" dirty="0">
+                <a:solidFill>
+                  <a:schemeClr val="tx1"/>
+                </a:solidFill>
+                <a:latin typeface="Centaur" panose="02030504050205020304" pitchFamily="18" charset="0"/>
+              </a:rPr>
+              <a:t> </a:t>
+            </a:r>
+            <a:r>
+              <a:rPr lang="de-DE" sz="4400" dirty="0" err="1">
+                <a:solidFill>
+                  <a:schemeClr val="tx1"/>
+                </a:solidFill>
+                <a:latin typeface="Centaur" panose="02030504050205020304" pitchFamily="18" charset="0"/>
+              </a:rPr>
+              <a:t>Preperations</a:t>
+            </a:r>
+            <a:endParaRPr lang="de-DE" sz="4400" dirty="0">
+              <a:solidFill>
+                <a:schemeClr val="tx1"/>
+              </a:solidFill>
+              <a:latin typeface="Centaur" panose="02030504050205020304" pitchFamily="18" charset="0"/>
+            </a:endParaRPr>
+          </a:p>
+        </p:txBody>
+      </p:sp>
+      <p:sp>
+        <p:nvSpPr>
+          <p:cNvPr id="32" name="Rechteck 31">
+            <a:extLst>
+              <a:ext uri="{FF2B5EF4-FFF2-40B4-BE49-F238E27FC236}">
+                <a16:creationId xmlns:a16="http://schemas.microsoft.com/office/drawing/2014/main" id="{AEDB0995-DFCA-41A1-9B5E-6E2D9BC091DF}"/>
+              </a:ext>
+            </a:extLst>
+          </p:cNvPr>
+          <p:cNvSpPr/>
+          <p:nvPr/>
+        </p:nvSpPr>
+        <p:spPr>
+          <a:xfrm>
+            <a:off x="5600700" y="2952750"/>
+            <a:ext cx="6591300" cy="781050"/>
+          </a:xfrm>
+          <a:prstGeom prst="rect">
+            <a:avLst/>
+          </a:prstGeom>
+          <a:solidFill>
+            <a:schemeClr val="lt1">
+              <a:alpha val="65000"/>
+            </a:schemeClr>
+          </a:solidFill>
+          <a:ln w="25400">
+            <a:solidFill>
+              <a:schemeClr val="tx1">
+                <a:alpha val="50000"/>
+              </a:schemeClr>
+            </a:solidFill>
+          </a:ln>
+        </p:spPr>
+        <p:style>
+          <a:lnRef idx="2">
+            <a:schemeClr val="accent1">
+              <a:shade val="50000"/>
+            </a:schemeClr>
+          </a:lnRef>
+          <a:fillRef idx="1">
+            <a:schemeClr val="accent1"/>
+          </a:fillRef>
+          <a:effectRef idx="0">
+            <a:schemeClr val="accent1"/>
+          </a:effectRef>
+          <a:fontRef idx="minor">
+            <a:schemeClr val="lt1"/>
+          </a:fontRef>
+        </p:style>
+        <p:txBody>
+          <a:bodyPr rtlCol="0" anchor="ctr"/>
+          <a:lstStyle/>
+          <a:p>
+            <a:r>
+              <a:rPr lang="de-DE" sz="4400" dirty="0">
+                <a:solidFill>
+                  <a:schemeClr val="tx1"/>
+                </a:solidFill>
+                <a:latin typeface="Centaur" panose="02030504050205020304" pitchFamily="18" charset="0"/>
+              </a:rPr>
+              <a:t>Group </a:t>
+            </a:r>
+            <a:r>
+              <a:rPr lang="de-DE" sz="4400" dirty="0" err="1">
+                <a:solidFill>
+                  <a:schemeClr val="tx1"/>
+                </a:solidFill>
+                <a:latin typeface="Centaur" panose="02030504050205020304" pitchFamily="18" charset="0"/>
+              </a:rPr>
+              <a:t>Examination</a:t>
+            </a:r>
+            <a:endParaRPr lang="de-DE" sz="4400" dirty="0">
+              <a:solidFill>
+                <a:schemeClr val="tx1"/>
+              </a:solidFill>
+              <a:latin typeface="Centaur" panose="02030504050205020304" pitchFamily="18" charset="0"/>
+            </a:endParaRPr>
+          </a:p>
+        </p:txBody>
+      </p:sp>
+      <p:sp>
+        <p:nvSpPr>
+          <p:cNvPr id="33" name="Rechteck 32">
+            <a:extLst>
+              <a:ext uri="{FF2B5EF4-FFF2-40B4-BE49-F238E27FC236}">
+                <a16:creationId xmlns:a16="http://schemas.microsoft.com/office/drawing/2014/main" id="{57603C7A-C20A-4C74-BB65-D1AAB1AF373C}"/>
+              </a:ext>
+            </a:extLst>
+          </p:cNvPr>
+          <p:cNvSpPr/>
+          <p:nvPr/>
+        </p:nvSpPr>
+        <p:spPr>
+          <a:xfrm>
+            <a:off x="7096122" y="2171700"/>
+            <a:ext cx="5095875" cy="781050"/>
+          </a:xfrm>
+          <a:prstGeom prst="rect">
+            <a:avLst/>
+          </a:prstGeom>
+          <a:solidFill>
+            <a:schemeClr val="lt1">
+              <a:alpha val="65000"/>
+            </a:schemeClr>
+          </a:solidFill>
+          <a:ln w="25400">
+            <a:solidFill>
+              <a:schemeClr val="tx1">
+                <a:alpha val="50000"/>
+              </a:schemeClr>
+            </a:solidFill>
+          </a:ln>
+        </p:spPr>
+        <p:style>
+          <a:lnRef idx="2">
+            <a:schemeClr val="accent1">
+              <a:shade val="50000"/>
+            </a:schemeClr>
+          </a:lnRef>
+          <a:fillRef idx="1">
+            <a:schemeClr val="accent1"/>
+          </a:fillRef>
+          <a:effectRef idx="0">
+            <a:schemeClr val="accent1"/>
+          </a:effectRef>
+          <a:fontRef idx="minor">
+            <a:schemeClr val="lt1"/>
+          </a:fontRef>
+        </p:style>
+        <p:txBody>
+          <a:bodyPr rtlCol="0" anchor="ctr"/>
+          <a:lstStyle/>
+          <a:p>
+            <a:r>
+              <a:rPr lang="de-DE" sz="4400" dirty="0">
+                <a:solidFill>
+                  <a:schemeClr val="tx1"/>
+                </a:solidFill>
+                <a:latin typeface="Centaur" panose="02030504050205020304" pitchFamily="18" charset="0"/>
+              </a:rPr>
+              <a:t>Review</a:t>
+            </a:r>
+          </a:p>
+        </p:txBody>
+      </p:sp>
+      <p:sp>
+        <p:nvSpPr>
+          <p:cNvPr id="34" name="Rechteck 33">
+            <a:extLst>
+              <a:ext uri="{FF2B5EF4-FFF2-40B4-BE49-F238E27FC236}">
+                <a16:creationId xmlns:a16="http://schemas.microsoft.com/office/drawing/2014/main" id="{051BE17A-D5C9-4E3E-B200-4A5022F48F74}"/>
+              </a:ext>
+            </a:extLst>
+          </p:cNvPr>
+          <p:cNvSpPr/>
+          <p:nvPr/>
+        </p:nvSpPr>
+        <p:spPr>
+          <a:xfrm>
+            <a:off x="8601074" y="1390650"/>
+            <a:ext cx="3590923" cy="781050"/>
+          </a:xfrm>
+          <a:prstGeom prst="rect">
+            <a:avLst/>
+          </a:prstGeom>
+          <a:solidFill>
+            <a:schemeClr val="lt1">
+              <a:alpha val="65000"/>
+            </a:schemeClr>
+          </a:solidFill>
+          <a:ln w="25400">
+            <a:solidFill>
+              <a:schemeClr val="tx1">
+                <a:alpha val="50000"/>
+              </a:schemeClr>
+            </a:solidFill>
+          </a:ln>
+        </p:spPr>
+        <p:style>
+          <a:lnRef idx="2">
+            <a:schemeClr val="accent1">
+              <a:shade val="50000"/>
+            </a:schemeClr>
+          </a:lnRef>
+          <a:fillRef idx="1">
+            <a:schemeClr val="accent1"/>
+          </a:fillRef>
+          <a:effectRef idx="0">
+            <a:schemeClr val="accent1"/>
+          </a:effectRef>
+          <a:fontRef idx="minor">
+            <a:schemeClr val="lt1"/>
+          </a:fontRef>
+        </p:style>
+        <p:txBody>
+          <a:bodyPr rtlCol="0" anchor="ctr"/>
+          <a:lstStyle/>
+          <a:p>
+            <a:r>
+              <a:rPr lang="de-DE" sz="4400" dirty="0">
+                <a:solidFill>
+                  <a:schemeClr val="tx1"/>
+                </a:solidFill>
+                <a:latin typeface="Centaur" panose="02030504050205020304" pitchFamily="18" charset="0"/>
+              </a:rPr>
+              <a:t>Follow Up</a:t>
+            </a:r>
+          </a:p>
+        </p:txBody>
+      </p:sp>
+      <p:cxnSp>
+        <p:nvCxnSpPr>
+          <p:cNvPr id="37" name="Verbinder: gewinkelt 36">
+            <a:extLst>
+              <a:ext uri="{FF2B5EF4-FFF2-40B4-BE49-F238E27FC236}">
+                <a16:creationId xmlns:a16="http://schemas.microsoft.com/office/drawing/2014/main" id="{B6E9B8B1-65C9-4D11-9174-6CF028F50D5B}"/>
+              </a:ext>
+            </a:extLst>
+          </p:cNvPr>
+          <p:cNvCxnSpPr>
+            <a:cxnSpLocks/>
+            <a:stCxn id="33" idx="1"/>
+          </p:cNvCxnSpPr>
+          <p:nvPr/>
+        </p:nvCxnSpPr>
+        <p:spPr>
+          <a:xfrm rot="10800000" flipV="1">
+            <a:off x="1914528" y="2562225"/>
+            <a:ext cx="5181595" cy="2628898"/>
+          </a:xfrm>
+          <a:prstGeom prst="bentConnector3">
+            <a:avLst>
+              <a:gd name="adj1" fmla="val 100000"/>
+            </a:avLst>
+          </a:prstGeom>
+          <a:ln w="127000">
+            <a:solidFill>
+              <a:schemeClr val="tx1">
+                <a:alpha val="50000"/>
+              </a:schemeClr>
+            </a:solidFill>
+            <a:tailEnd type="triangle"/>
+          </a:ln>
+        </p:spPr>
+        <p:style>
+          <a:lnRef idx="1">
+            <a:schemeClr val="accent1"/>
+          </a:lnRef>
+          <a:fillRef idx="0">
+            <a:schemeClr val="accent1"/>
+          </a:fillRef>
+          <a:effectRef idx="0">
+            <a:schemeClr val="accent1"/>
+          </a:effectRef>
+          <a:fontRef idx="minor">
+            <a:schemeClr val="tx1"/>
+          </a:fontRef>
+        </p:style>
+      </p:cxnSp>
+      <p:cxnSp>
+        <p:nvCxnSpPr>
+          <p:cNvPr id="47" name="Gerade Verbindung mit Pfeil 46">
+            <a:extLst>
+              <a:ext uri="{FF2B5EF4-FFF2-40B4-BE49-F238E27FC236}">
+                <a16:creationId xmlns:a16="http://schemas.microsoft.com/office/drawing/2014/main" id="{D4BEF2AF-1901-4478-A161-85DD393CE9C7}"/>
+              </a:ext>
+            </a:extLst>
+          </p:cNvPr>
+          <p:cNvCxnSpPr/>
+          <p:nvPr/>
+        </p:nvCxnSpPr>
+        <p:spPr>
+          <a:xfrm flipV="1">
+            <a:off x="11811000" y="5600700"/>
+            <a:ext cx="0" cy="600075"/>
+          </a:xfrm>
+          <a:prstGeom prst="straightConnector1">
+            <a:avLst/>
+          </a:prstGeom>
+          <a:ln w="127000">
+            <a:solidFill>
+              <a:schemeClr val="tx1">
+                <a:alpha val="50000"/>
+              </a:schemeClr>
+            </a:solidFill>
+            <a:tailEnd type="triangle"/>
+          </a:ln>
+        </p:spPr>
+        <p:style>
+          <a:lnRef idx="1">
+            <a:schemeClr val="accent1"/>
+          </a:lnRef>
+          <a:fillRef idx="0">
+            <a:schemeClr val="accent1"/>
+          </a:fillRef>
+          <a:effectRef idx="0">
+            <a:schemeClr val="accent1"/>
+          </a:effectRef>
+          <a:fontRef idx="minor">
+            <a:schemeClr val="tx1"/>
+          </a:fontRef>
+        </p:style>
+      </p:cxnSp>
+      <p:cxnSp>
+        <p:nvCxnSpPr>
+          <p:cNvPr id="48" name="Gerade Verbindung mit Pfeil 47">
+            <a:extLst>
+              <a:ext uri="{FF2B5EF4-FFF2-40B4-BE49-F238E27FC236}">
+                <a16:creationId xmlns:a16="http://schemas.microsoft.com/office/drawing/2014/main" id="{9224C701-93B0-4296-A266-1F4A75D38FBF}"/>
+              </a:ext>
+            </a:extLst>
+          </p:cNvPr>
+          <p:cNvCxnSpPr/>
+          <p:nvPr/>
+        </p:nvCxnSpPr>
+        <p:spPr>
+          <a:xfrm flipV="1">
+            <a:off x="11811000" y="4824411"/>
+            <a:ext cx="0" cy="600075"/>
+          </a:xfrm>
+          <a:prstGeom prst="straightConnector1">
+            <a:avLst/>
+          </a:prstGeom>
+          <a:ln w="127000">
+            <a:solidFill>
+              <a:schemeClr val="tx1">
+                <a:alpha val="50000"/>
+              </a:schemeClr>
+            </a:solidFill>
+            <a:tailEnd type="triangle"/>
+          </a:ln>
+        </p:spPr>
+        <p:style>
+          <a:lnRef idx="1">
+            <a:schemeClr val="accent1"/>
+          </a:lnRef>
+          <a:fillRef idx="0">
+            <a:schemeClr val="accent1"/>
+          </a:fillRef>
+          <a:effectRef idx="0">
+            <a:schemeClr val="accent1"/>
+          </a:effectRef>
+          <a:fontRef idx="minor">
+            <a:schemeClr val="tx1"/>
+          </a:fontRef>
+        </p:style>
+      </p:cxnSp>
+      <p:cxnSp>
+        <p:nvCxnSpPr>
+          <p:cNvPr id="49" name="Gerade Verbindung mit Pfeil 48">
+            <a:extLst>
+              <a:ext uri="{FF2B5EF4-FFF2-40B4-BE49-F238E27FC236}">
+                <a16:creationId xmlns:a16="http://schemas.microsoft.com/office/drawing/2014/main" id="{B3362E2D-6BA8-4728-8E91-89C23252B9B1}"/>
+              </a:ext>
+            </a:extLst>
+          </p:cNvPr>
+          <p:cNvCxnSpPr/>
+          <p:nvPr/>
+        </p:nvCxnSpPr>
+        <p:spPr>
+          <a:xfrm flipV="1">
+            <a:off x="11811000" y="4057650"/>
+            <a:ext cx="0" cy="600075"/>
+          </a:xfrm>
+          <a:prstGeom prst="straightConnector1">
+            <a:avLst/>
+          </a:prstGeom>
+          <a:ln w="127000">
+            <a:solidFill>
+              <a:schemeClr val="tx1">
+                <a:alpha val="50000"/>
+              </a:schemeClr>
+            </a:solidFill>
+            <a:tailEnd type="triangle"/>
+          </a:ln>
+        </p:spPr>
+        <p:style>
+          <a:lnRef idx="1">
+            <a:schemeClr val="accent1"/>
+          </a:lnRef>
+          <a:fillRef idx="0">
+            <a:schemeClr val="accent1"/>
+          </a:fillRef>
+          <a:effectRef idx="0">
+            <a:schemeClr val="accent1"/>
+          </a:effectRef>
+          <a:fontRef idx="minor">
+            <a:schemeClr val="tx1"/>
+          </a:fontRef>
+        </p:style>
+      </p:cxnSp>
+      <p:cxnSp>
+        <p:nvCxnSpPr>
+          <p:cNvPr id="50" name="Gerade Verbindung mit Pfeil 49">
+            <a:extLst>
+              <a:ext uri="{FF2B5EF4-FFF2-40B4-BE49-F238E27FC236}">
+                <a16:creationId xmlns:a16="http://schemas.microsoft.com/office/drawing/2014/main" id="{BB6B5074-7414-4AEC-B4F0-D446597409EE}"/>
+              </a:ext>
+            </a:extLst>
+          </p:cNvPr>
+          <p:cNvCxnSpPr/>
+          <p:nvPr/>
+        </p:nvCxnSpPr>
+        <p:spPr>
+          <a:xfrm flipV="1">
+            <a:off x="11801475" y="3276599"/>
+            <a:ext cx="0" cy="600075"/>
+          </a:xfrm>
+          <a:prstGeom prst="straightConnector1">
+            <a:avLst/>
+          </a:prstGeom>
+          <a:ln w="127000">
+            <a:solidFill>
+              <a:schemeClr val="tx1">
+                <a:alpha val="50000"/>
+              </a:schemeClr>
+            </a:solidFill>
+            <a:tailEnd type="triangle"/>
+          </a:ln>
+        </p:spPr>
+        <p:style>
+          <a:lnRef idx="1">
+            <a:schemeClr val="accent1"/>
+          </a:lnRef>
+          <a:fillRef idx="0">
+            <a:schemeClr val="accent1"/>
+          </a:fillRef>
+          <a:effectRef idx="0">
+            <a:schemeClr val="accent1"/>
+          </a:effectRef>
+          <a:fontRef idx="minor">
+            <a:schemeClr val="tx1"/>
+          </a:fontRef>
+        </p:style>
+      </p:cxnSp>
+      <p:cxnSp>
+        <p:nvCxnSpPr>
+          <p:cNvPr id="51" name="Gerade Verbindung mit Pfeil 50">
+            <a:extLst>
+              <a:ext uri="{FF2B5EF4-FFF2-40B4-BE49-F238E27FC236}">
+                <a16:creationId xmlns:a16="http://schemas.microsoft.com/office/drawing/2014/main" id="{04C5BDEF-AA78-43E0-8CB3-E2E5C70C67E8}"/>
+              </a:ext>
+            </a:extLst>
+          </p:cNvPr>
+          <p:cNvCxnSpPr/>
+          <p:nvPr/>
+        </p:nvCxnSpPr>
+        <p:spPr>
+          <a:xfrm flipV="1">
+            <a:off x="11801475" y="2495550"/>
+            <a:ext cx="0" cy="600075"/>
+          </a:xfrm>
+          <a:prstGeom prst="straightConnector1">
+            <a:avLst/>
+          </a:prstGeom>
+          <a:ln w="127000">
+            <a:solidFill>
+              <a:schemeClr val="tx1">
+                <a:alpha val="50000"/>
+              </a:schemeClr>
+            </a:solidFill>
+            <a:tailEnd type="triangle"/>
+          </a:ln>
+        </p:spPr>
+        <p:style>
+          <a:lnRef idx="1">
+            <a:schemeClr val="accent1"/>
+          </a:lnRef>
+          <a:fillRef idx="0">
+            <a:schemeClr val="accent1"/>
+          </a:fillRef>
+          <a:effectRef idx="0">
+            <a:schemeClr val="accent1"/>
+          </a:effectRef>
+          <a:fontRef idx="minor">
+            <a:schemeClr val="tx1"/>
+          </a:fontRef>
+        </p:style>
+      </p:cxnSp>
+      <p:cxnSp>
+        <p:nvCxnSpPr>
+          <p:cNvPr id="52" name="Gerade Verbindung mit Pfeil 51">
+            <a:extLst>
+              <a:ext uri="{FF2B5EF4-FFF2-40B4-BE49-F238E27FC236}">
+                <a16:creationId xmlns:a16="http://schemas.microsoft.com/office/drawing/2014/main" id="{BED267C7-06D7-4558-A9EF-B6995B0A6570}"/>
+              </a:ext>
+            </a:extLst>
+          </p:cNvPr>
+          <p:cNvCxnSpPr/>
+          <p:nvPr/>
+        </p:nvCxnSpPr>
+        <p:spPr>
+          <a:xfrm flipV="1">
+            <a:off x="11801475" y="1724025"/>
+            <a:ext cx="0" cy="600075"/>
+          </a:xfrm>
+          <a:prstGeom prst="straightConnector1">
+            <a:avLst/>
+          </a:prstGeom>
+          <a:ln w="127000">
+            <a:solidFill>
+              <a:schemeClr val="tx1">
+                <a:alpha val="50000"/>
+              </a:schemeClr>
+            </a:solidFill>
+            <a:tailEnd type="triangle"/>
+          </a:ln>
+        </p:spPr>
+        <p:style>
+          <a:lnRef idx="1">
+            <a:schemeClr val="accent1"/>
+          </a:lnRef>
+          <a:fillRef idx="0">
+            <a:schemeClr val="accent1"/>
+          </a:fillRef>
+          <a:effectRef idx="0">
+            <a:schemeClr val="accent1"/>
+          </a:effectRef>
+          <a:fontRef idx="minor">
+            <a:schemeClr val="tx1"/>
+          </a:fontRef>
+        </p:style>
+      </p:cxnSp>
+      <p:sp>
+        <p:nvSpPr>
+          <p:cNvPr id="53" name="Titel 1">
+            <a:extLst>
+              <a:ext uri="{FF2B5EF4-FFF2-40B4-BE49-F238E27FC236}">
+                <a16:creationId xmlns:a16="http://schemas.microsoft.com/office/drawing/2014/main" id="{C582ED7C-1D55-4938-848D-48E2BDDB629A}"/>
+              </a:ext>
+            </a:extLst>
+          </p:cNvPr>
+          <p:cNvSpPr txBox="1">
+            <a:spLocks/>
+          </p:cNvSpPr>
+          <p:nvPr/>
+        </p:nvSpPr>
+        <p:spPr>
+          <a:xfrm>
+            <a:off x="1524000" y="37505"/>
+            <a:ext cx="9144000" cy="1272142"/>
+          </a:xfrm>
+          <a:prstGeom prst="rect">
+            <a:avLst/>
+          </a:prstGeom>
+        </p:spPr>
+        <p:txBody>
+          <a:bodyPr vert="horz" lIns="91440" tIns="45720" rIns="91440" bIns="45720" rtlCol="0" anchor="ctr">
+            <a:noAutofit/>
+          </a:bodyPr>
+          <a:lstStyle>
+            <a:lvl1pPr algn="l" defTabSz="914400" rtl="0" eaLnBrk="1" latinLnBrk="0" hangingPunct="1">
+              <a:lnSpc>
+                <a:spcPct val="90000"/>
+              </a:lnSpc>
+              <a:spcBef>
+                <a:spcPct val="0"/>
+              </a:spcBef>
+              <a:buNone/>
+              <a:defRPr sz="4400" kern="1200">
+                <a:solidFill>
+                  <a:schemeClr val="tx1"/>
+                </a:solidFill>
+                <a:latin typeface="+mj-lt"/>
+                <a:ea typeface="+mj-ea"/>
+                <a:cs typeface="+mj-cs"/>
+              </a:defRPr>
+            </a:lvl1pPr>
+          </a:lstStyle>
+          <a:p>
+            <a:pPr algn="ctr"/>
+            <a:r>
+              <a:rPr lang="de-DE" sz="5400" b="1" dirty="0" err="1"/>
+              <a:t>Process</a:t>
+            </a:r>
+            <a:r>
+              <a:rPr lang="de-DE" sz="5400" b="1" dirty="0"/>
+              <a:t> </a:t>
+            </a:r>
+            <a:r>
+              <a:rPr lang="de-DE" sz="5400" b="1" dirty="0" err="1"/>
+              <a:t>of</a:t>
+            </a:r>
+            <a:r>
+              <a:rPr lang="de-DE" sz="5400" b="1" dirty="0"/>
+              <a:t> Formal Review</a:t>
+            </a:r>
+          </a:p>
+          <a:p>
+            <a:pPr algn="ctr"/>
+            <a:r>
+              <a:rPr lang="de-DE" sz="2800" dirty="0"/>
+              <a:t>(IEEE 1028 </a:t>
+            </a:r>
+            <a:r>
+              <a:rPr lang="de-DE" sz="2800" dirty="0" err="1"/>
+              <a:t>by</a:t>
+            </a:r>
+            <a:r>
+              <a:rPr lang="de-DE" sz="2800" dirty="0"/>
+              <a:t> Michael </a:t>
+            </a:r>
+            <a:r>
+              <a:rPr lang="de-DE" sz="2800" dirty="0" err="1"/>
+              <a:t>Fagan</a:t>
+            </a:r>
+            <a:r>
+              <a:rPr lang="de-DE" sz="2800" dirty="0"/>
+              <a:t>)</a:t>
+            </a:r>
+          </a:p>
+        </p:txBody>
+      </p:sp>
+    </p:spTree>
+    <p:extLst>
+      <p:ext uri="{BB962C8B-B14F-4D97-AF65-F5344CB8AC3E}">
+        <p14:creationId xmlns:p14="http://schemas.microsoft.com/office/powerpoint/2010/main" val="1014434948"/>
+      </p:ext>
+    </p:extLst>
+  </p:cSld>
+  <p:clrMapOvr>
+    <a:masterClrMapping/>
+  </p:clrMapOvr>
+  <p:timing>
+    <p:tnLst>
+      <p:par>
+        <p:cTn id="1" dur="indefinite" restart="never" nodeType="tmRoot">
+          <p:childTnLst>
+            <p:seq concurrent="1" nextAc="seek">
+              <p:cTn id="2" dur="indefinite" nodeType="mainSeq">
+                <p:childTnLst>
+                  <p:par>
+                    <p:cTn id="3" fill="hold">
+                      <p:stCondLst>
+                        <p:cond delay="indefinite"/>
+                      </p:stCondLst>
+                      <p:childTnLst>
+                        <p:par>
+                          <p:cTn id="4" fill="hold">
+                            <p:stCondLst>
+                              <p:cond delay="0"/>
+                            </p:stCondLst>
+                            <p:childTnLst>
+                              <p:par>
+                                <p:cTn id="5" presetID="1" presetClass="entr" presetSubtype="0" fill="hold" grpId="0" nodeType="clickEffect">
+                                  <p:stCondLst>
+                                    <p:cond delay="0"/>
+                                  </p:stCondLst>
+                                  <p:childTnLst>
+                                    <p:set>
+                                      <p:cBhvr>
+                                        <p:cTn id="6" dur="1" fill="hold">
+                                          <p:stCondLst>
+                                            <p:cond delay="0"/>
+                                          </p:stCondLst>
+                                        </p:cTn>
+                                        <p:tgtEl>
+                                          <p:spTgt spid="28"/>
+                                        </p:tgtEl>
+                                        <p:attrNameLst>
+                                          <p:attrName>style.visibility</p:attrName>
+                                        </p:attrNameLst>
+                                      </p:cBhvr>
+                                      <p:to>
+                                        <p:strVal val="visible"/>
+                                      </p:to>
+                                    </p:set>
+                                  </p:childTnLst>
+                                </p:cTn>
+                              </p:par>
+                            </p:childTnLst>
+                          </p:cTn>
+                        </p:par>
+                      </p:childTnLst>
+                    </p:cTn>
+                  </p:par>
+                  <p:par>
+                    <p:cTn id="7" fill="hold">
+                      <p:stCondLst>
+                        <p:cond delay="indefinite"/>
+                      </p:stCondLst>
+                      <p:childTnLst>
+                        <p:par>
+                          <p:cTn id="8" fill="hold">
+                            <p:stCondLst>
+                              <p:cond delay="0"/>
+                            </p:stCondLst>
+                            <p:childTnLst>
+                              <p:par>
+                                <p:cTn id="9" presetID="1" presetClass="entr" presetSubtype="0" fill="hold" grpId="0" nodeType="clickEffect">
+                                  <p:stCondLst>
+                                    <p:cond delay="0"/>
+                                  </p:stCondLst>
+                                  <p:childTnLst>
+                                    <p:set>
+                                      <p:cBhvr>
+                                        <p:cTn id="10" dur="1" fill="hold">
+                                          <p:stCondLst>
+                                            <p:cond delay="0"/>
+                                          </p:stCondLst>
+                                        </p:cTn>
+                                        <p:tgtEl>
+                                          <p:spTgt spid="29"/>
+                                        </p:tgtEl>
+                                        <p:attrNameLst>
+                                          <p:attrName>style.visibility</p:attrName>
+                                        </p:attrNameLst>
+                                      </p:cBhvr>
+                                      <p:to>
+                                        <p:strVal val="visible"/>
+                                      </p:to>
+                                    </p:set>
+                                  </p:childTnLst>
+                                </p:cTn>
+                              </p:par>
+                              <p:par>
+                                <p:cTn id="11" presetID="1" presetClass="entr" presetSubtype="0" fill="hold" nodeType="withEffect">
+                                  <p:stCondLst>
+                                    <p:cond delay="0"/>
+                                  </p:stCondLst>
+                                  <p:childTnLst>
+                                    <p:set>
+                                      <p:cBhvr>
+                                        <p:cTn id="12" dur="1" fill="hold">
+                                          <p:stCondLst>
+                                            <p:cond delay="0"/>
+                                          </p:stCondLst>
+                                        </p:cTn>
+                                        <p:tgtEl>
+                                          <p:spTgt spid="47"/>
+                                        </p:tgtEl>
+                                        <p:attrNameLst>
+                                          <p:attrName>style.visibility</p:attrName>
+                                        </p:attrNameLst>
+                                      </p:cBhvr>
+                                      <p:to>
+                                        <p:strVal val="visible"/>
+                                      </p:to>
+                                    </p:set>
+                                  </p:childTnLst>
+                                </p:cTn>
+                              </p:par>
+                            </p:childTnLst>
+                          </p:cTn>
+                        </p:par>
+                      </p:childTnLst>
+                    </p:cTn>
+                  </p:par>
+                  <p:par>
+                    <p:cTn id="13" fill="hold">
+                      <p:stCondLst>
+                        <p:cond delay="indefinite"/>
+                      </p:stCondLst>
+                      <p:childTnLst>
+                        <p:par>
+                          <p:cTn id="14" fill="hold">
+                            <p:stCondLst>
+                              <p:cond delay="0"/>
+                            </p:stCondLst>
+                            <p:childTnLst>
+                              <p:par>
+                                <p:cTn id="15" presetID="1" presetClass="entr" presetSubtype="0" fill="hold" nodeType="clickEffect">
+                                  <p:stCondLst>
+                                    <p:cond delay="0"/>
+                                  </p:stCondLst>
+                                  <p:childTnLst>
+                                    <p:set>
+                                      <p:cBhvr>
+                                        <p:cTn id="16" dur="1" fill="hold">
+                                          <p:stCondLst>
+                                            <p:cond delay="0"/>
+                                          </p:stCondLst>
+                                        </p:cTn>
+                                        <p:tgtEl>
+                                          <p:spTgt spid="48"/>
+                                        </p:tgtEl>
+                                        <p:attrNameLst>
+                                          <p:attrName>style.visibility</p:attrName>
+                                        </p:attrNameLst>
+                                      </p:cBhvr>
+                                      <p:to>
+                                        <p:strVal val="visible"/>
+                                      </p:to>
+                                    </p:set>
+                                  </p:childTnLst>
+                                </p:cTn>
+                              </p:par>
+                              <p:par>
+                                <p:cTn id="17" presetID="1" presetClass="entr" presetSubtype="0" fill="hold" grpId="0" nodeType="withEffect">
+                                  <p:stCondLst>
+                                    <p:cond delay="0"/>
+                                  </p:stCondLst>
+                                  <p:childTnLst>
+                                    <p:set>
+                                      <p:cBhvr>
+                                        <p:cTn id="18" dur="1" fill="hold">
+                                          <p:stCondLst>
+                                            <p:cond delay="0"/>
+                                          </p:stCondLst>
+                                        </p:cTn>
+                                        <p:tgtEl>
+                                          <p:spTgt spid="30"/>
+                                        </p:tgtEl>
+                                        <p:attrNameLst>
+                                          <p:attrName>style.visibility</p:attrName>
+                                        </p:attrNameLst>
+                                      </p:cBhvr>
+                                      <p:to>
+                                        <p:strVal val="visible"/>
+                                      </p:to>
+                                    </p:set>
+                                  </p:childTnLst>
+                                </p:cTn>
+                              </p:par>
+                            </p:childTnLst>
+                          </p:cTn>
+                        </p:par>
+                      </p:childTnLst>
+                    </p:cTn>
+                  </p:par>
+                  <p:par>
+                    <p:cTn id="19" fill="hold">
+                      <p:stCondLst>
+                        <p:cond delay="indefinite"/>
+                      </p:stCondLst>
+                      <p:childTnLst>
+                        <p:par>
+                          <p:cTn id="20" fill="hold">
+                            <p:stCondLst>
+                              <p:cond delay="0"/>
+                            </p:stCondLst>
+                            <p:childTnLst>
+                              <p:par>
+                                <p:cTn id="21" presetID="1" presetClass="entr" presetSubtype="0" fill="hold" nodeType="clickEffect">
+                                  <p:stCondLst>
+                                    <p:cond delay="0"/>
+                                  </p:stCondLst>
+                                  <p:childTnLst>
+                                    <p:set>
+                                      <p:cBhvr>
+                                        <p:cTn id="22" dur="1" fill="hold">
+                                          <p:stCondLst>
+                                            <p:cond delay="0"/>
+                                          </p:stCondLst>
+                                        </p:cTn>
+                                        <p:tgtEl>
+                                          <p:spTgt spid="49"/>
+                                        </p:tgtEl>
+                                        <p:attrNameLst>
+                                          <p:attrName>style.visibility</p:attrName>
+                                        </p:attrNameLst>
+                                      </p:cBhvr>
+                                      <p:to>
+                                        <p:strVal val="visible"/>
+                                      </p:to>
+                                    </p:set>
+                                  </p:childTnLst>
+                                </p:cTn>
+                              </p:par>
+                              <p:par>
+                                <p:cTn id="23" presetID="1" presetClass="entr" presetSubtype="0" fill="hold" grpId="0" nodeType="withEffect">
+                                  <p:stCondLst>
+                                    <p:cond delay="0"/>
+                                  </p:stCondLst>
+                                  <p:childTnLst>
+                                    <p:set>
+                                      <p:cBhvr>
+                                        <p:cTn id="24" dur="1" fill="hold">
+                                          <p:stCondLst>
+                                            <p:cond delay="0"/>
+                                          </p:stCondLst>
+                                        </p:cTn>
+                                        <p:tgtEl>
+                                          <p:spTgt spid="31"/>
+                                        </p:tgtEl>
+                                        <p:attrNameLst>
+                                          <p:attrName>style.visibility</p:attrName>
+                                        </p:attrNameLst>
+                                      </p:cBhvr>
+                                      <p:to>
+                                        <p:strVal val="visible"/>
+                                      </p:to>
+                                    </p:set>
+                                  </p:childTnLst>
+                                </p:cTn>
+                              </p:par>
+                            </p:childTnLst>
+                          </p:cTn>
+                        </p:par>
+                      </p:childTnLst>
+                    </p:cTn>
+                  </p:par>
+                  <p:par>
+                    <p:cTn id="25" fill="hold">
+                      <p:stCondLst>
+                        <p:cond delay="indefinite"/>
+                      </p:stCondLst>
+                      <p:childTnLst>
+                        <p:par>
+                          <p:cTn id="26" fill="hold">
+                            <p:stCondLst>
+                              <p:cond delay="0"/>
+                            </p:stCondLst>
+                            <p:childTnLst>
+                              <p:par>
+                                <p:cTn id="27" presetID="1" presetClass="entr" presetSubtype="0" fill="hold" nodeType="clickEffect">
+                                  <p:stCondLst>
+                                    <p:cond delay="0"/>
+                                  </p:stCondLst>
+                                  <p:childTnLst>
+                                    <p:set>
+                                      <p:cBhvr>
+                                        <p:cTn id="28" dur="1" fill="hold">
+                                          <p:stCondLst>
+                                            <p:cond delay="0"/>
+                                          </p:stCondLst>
+                                        </p:cTn>
+                                        <p:tgtEl>
+                                          <p:spTgt spid="50"/>
+                                        </p:tgtEl>
+                                        <p:attrNameLst>
+                                          <p:attrName>style.visibility</p:attrName>
+                                        </p:attrNameLst>
+                                      </p:cBhvr>
+                                      <p:to>
+                                        <p:strVal val="visible"/>
+                                      </p:to>
+                                    </p:set>
+                                  </p:childTnLst>
+                                </p:cTn>
+                              </p:par>
+                              <p:par>
+                                <p:cTn id="29" presetID="1" presetClass="entr" presetSubtype="0" fill="hold" grpId="0" nodeType="withEffect">
+                                  <p:stCondLst>
+                                    <p:cond delay="0"/>
+                                  </p:stCondLst>
+                                  <p:childTnLst>
+                                    <p:set>
+                                      <p:cBhvr>
+                                        <p:cTn id="30" dur="1" fill="hold">
+                                          <p:stCondLst>
+                                            <p:cond delay="0"/>
+                                          </p:stCondLst>
+                                        </p:cTn>
+                                        <p:tgtEl>
+                                          <p:spTgt spid="32"/>
+                                        </p:tgtEl>
+                                        <p:attrNameLst>
+                                          <p:attrName>style.visibility</p:attrName>
+                                        </p:attrNameLst>
+                                      </p:cBhvr>
+                                      <p:to>
+                                        <p:strVal val="visible"/>
+                                      </p:to>
+                                    </p:set>
+                                  </p:childTnLst>
+                                </p:cTn>
+                              </p:par>
+                            </p:childTnLst>
+                          </p:cTn>
+                        </p:par>
+                      </p:childTnLst>
+                    </p:cTn>
+                  </p:par>
+                  <p:par>
+                    <p:cTn id="31" fill="hold">
+                      <p:stCondLst>
+                        <p:cond delay="indefinite"/>
+                      </p:stCondLst>
+                      <p:childTnLst>
+                        <p:par>
+                          <p:cTn id="32" fill="hold">
+                            <p:stCondLst>
+                              <p:cond delay="0"/>
+                            </p:stCondLst>
+                            <p:childTnLst>
+                              <p:par>
+                                <p:cTn id="33" presetID="1" presetClass="entr" presetSubtype="0" fill="hold" nodeType="clickEffect">
+                                  <p:stCondLst>
+                                    <p:cond delay="0"/>
+                                  </p:stCondLst>
+                                  <p:childTnLst>
+                                    <p:set>
+                                      <p:cBhvr>
+                                        <p:cTn id="34" dur="1" fill="hold">
+                                          <p:stCondLst>
+                                            <p:cond delay="0"/>
+                                          </p:stCondLst>
+                                        </p:cTn>
+                                        <p:tgtEl>
+                                          <p:spTgt spid="51"/>
+                                        </p:tgtEl>
+                                        <p:attrNameLst>
+                                          <p:attrName>style.visibility</p:attrName>
+                                        </p:attrNameLst>
+                                      </p:cBhvr>
+                                      <p:to>
+                                        <p:strVal val="visible"/>
+                                      </p:to>
+                                    </p:set>
+                                  </p:childTnLst>
+                                </p:cTn>
+                              </p:par>
+                              <p:par>
+                                <p:cTn id="35" presetID="1" presetClass="entr" presetSubtype="0" fill="hold" grpId="0" nodeType="withEffect">
+                                  <p:stCondLst>
+                                    <p:cond delay="0"/>
+                                  </p:stCondLst>
+                                  <p:childTnLst>
+                                    <p:set>
+                                      <p:cBhvr>
+                                        <p:cTn id="36" dur="1" fill="hold">
+                                          <p:stCondLst>
+                                            <p:cond delay="0"/>
+                                          </p:stCondLst>
+                                        </p:cTn>
+                                        <p:tgtEl>
+                                          <p:spTgt spid="33"/>
+                                        </p:tgtEl>
+                                        <p:attrNameLst>
+                                          <p:attrName>style.visibility</p:attrName>
+                                        </p:attrNameLst>
+                                      </p:cBhvr>
+                                      <p:to>
+                                        <p:strVal val="visible"/>
+                                      </p:to>
+                                    </p:set>
+                                  </p:childTnLst>
+                                </p:cTn>
+                              </p:par>
+                            </p:childTnLst>
+                          </p:cTn>
+                        </p:par>
+                      </p:childTnLst>
+                    </p:cTn>
+                  </p:par>
+                  <p:par>
+                    <p:cTn id="37" fill="hold">
+                      <p:stCondLst>
+                        <p:cond delay="indefinite"/>
+                      </p:stCondLst>
+                      <p:childTnLst>
+                        <p:par>
+                          <p:cTn id="38" fill="hold">
+                            <p:stCondLst>
+                              <p:cond delay="0"/>
+                            </p:stCondLst>
+                            <p:childTnLst>
+                              <p:par>
+                                <p:cTn id="39" presetID="1" presetClass="entr" presetSubtype="0" fill="hold" nodeType="clickEffect">
+                                  <p:stCondLst>
+                                    <p:cond delay="0"/>
+                                  </p:stCondLst>
+                                  <p:childTnLst>
+                                    <p:set>
+                                      <p:cBhvr>
+                                        <p:cTn id="40" dur="1" fill="hold">
+                                          <p:stCondLst>
+                                            <p:cond delay="0"/>
+                                          </p:stCondLst>
+                                        </p:cTn>
+                                        <p:tgtEl>
+                                          <p:spTgt spid="52"/>
+                                        </p:tgtEl>
+                                        <p:attrNameLst>
+                                          <p:attrName>style.visibility</p:attrName>
+                                        </p:attrNameLst>
+                                      </p:cBhvr>
+                                      <p:to>
+                                        <p:strVal val="visible"/>
+                                      </p:to>
+                                    </p:set>
+                                  </p:childTnLst>
+                                </p:cTn>
+                              </p:par>
+                              <p:par>
+                                <p:cTn id="41" presetID="1" presetClass="entr" presetSubtype="0" fill="hold" grpId="0" nodeType="withEffect">
+                                  <p:stCondLst>
+                                    <p:cond delay="0"/>
+                                  </p:stCondLst>
+                                  <p:childTnLst>
+                                    <p:set>
+                                      <p:cBhvr>
+                                        <p:cTn id="42" dur="1" fill="hold">
+                                          <p:stCondLst>
+                                            <p:cond delay="0"/>
+                                          </p:stCondLst>
+                                        </p:cTn>
+                                        <p:tgtEl>
+                                          <p:spTgt spid="34"/>
+                                        </p:tgtEl>
+                                        <p:attrNameLst>
+                                          <p:attrName>style.visibility</p:attrName>
+                                        </p:attrNameLst>
+                                      </p:cBhvr>
+                                      <p:to>
+                                        <p:strVal val="visible"/>
+                                      </p:to>
+                                    </p:set>
+                                  </p:childTnLst>
+                                </p:cTn>
+                              </p:par>
+                              <p:par>
+                                <p:cTn id="43" presetID="1" presetClass="entr" presetSubtype="0" fill="hold" nodeType="withEffect">
+                                  <p:stCondLst>
+                                    <p:cond delay="0"/>
+                                  </p:stCondLst>
+                                  <p:childTnLst>
+                                    <p:set>
+                                      <p:cBhvr>
+                                        <p:cTn id="44" dur="1" fill="hold">
+                                          <p:stCondLst>
+                                            <p:cond delay="0"/>
+                                          </p:stCondLst>
+                                        </p:cTn>
+                                        <p:tgtEl>
+                                          <p:spTgt spid="37"/>
+                                        </p:tgtEl>
+                                        <p:attrNameLst>
+                                          <p:attrName>style.visibility</p:attrName>
+                                        </p:attrNameLst>
+                                      </p:cBhvr>
+                                      <p:to>
+                                        <p:strVal val="visible"/>
+                                      </p:to>
+                                    </p:set>
+                                  </p:childTnLst>
+                                </p:cTn>
+                              </p:par>
+                            </p:childTnLst>
+                          </p:cTn>
+                        </p:par>
+                      </p:childTnLst>
+                    </p:cTn>
+                  </p:par>
+                </p:childTnLst>
+              </p:cTn>
+              <p:prevCondLst>
+                <p:cond evt="onPrev" delay="0">
+                  <p:tgtEl>
+                    <p:sldTgt/>
+                  </p:tgtEl>
+                </p:cond>
+              </p:prevCondLst>
+              <p:nextCondLst>
+                <p:cond evt="onNext" delay="0">
+                  <p:tgtEl>
+                    <p:sldTgt/>
+                  </p:tgtEl>
+                </p:cond>
+              </p:nextCondLst>
+            </p:seq>
+          </p:childTnLst>
+        </p:cTn>
+      </p:par>
+    </p:tnLst>
+    <p:bldLst>
+      <p:bldP spid="28" grpId="0" animBg="1"/>
+      <p:bldP spid="29" grpId="0" animBg="1"/>
+      <p:bldP spid="30" grpId="0" animBg="1"/>
+      <p:bldP spid="31" grpId="0" animBg="1"/>
+      <p:bldP spid="32" grpId="0" animBg="1"/>
+      <p:bldP spid="33" grpId="0" animBg="1"/>
+      <p:bldP spid="34" grpId="0" animBg="1"/>
+    </p:bldLst>
+  </p:timing>
+</p:sld>
+</file>
+
+<file path=ppt/slides/slide5.xml><?xml version="1.0" encoding="utf-8"?>
 <p:sld xmlns:a="http://schemas.openxmlformats.org/drawingml/2006/main" xmlns:r="http://schemas.openxmlformats.org/officeDocument/2006/relationships" xmlns:p="http://schemas.openxmlformats.org/presentationml/2006/main">
   <p:cSld>
     <p:bg>
@@ -4123,6 +6790,65 @@
               <a:t>https://en.wikipedia.org/wiki/Software_quality_management</a:t>
             </a:r>
             <a:endParaRPr lang="de-DE" sz="2400" dirty="0"/>
+          </a:p>
+          <a:p>
+            <a:pPr marL="514350" indent="-514350">
+              <a:buFont typeface="+mj-lt"/>
+              <a:buAutoNum type="arabicPeriod"/>
+            </a:pPr>
+            <a:r>
+              <a:rPr lang="de-DE" sz="2400" dirty="0"/>
+              <a:t>Review </a:t>
+            </a:r>
+            <a:r>
+              <a:rPr lang="de-DE" sz="2400" dirty="0" err="1"/>
+              <a:t>Types</a:t>
+            </a:r>
+            <a:r>
+              <a:rPr lang="de-DE" sz="2400" dirty="0"/>
+              <a:t>:</a:t>
+            </a:r>
+            <a:br>
+              <a:rPr lang="de-DE" sz="2400" dirty="0"/>
+            </a:br>
+            <a:r>
+              <a:rPr lang="de-DE" sz="2400" u="sng" dirty="0">
+                <a:hlinkClick r:id="rId4"/>
+              </a:rPr>
+              <a:t>http://athena.ecs.csus.edu/~buckley/CSc233/Reviews_Types_Intro.pdf</a:t>
+            </a:r>
+            <a:endParaRPr lang="de-DE" sz="2400" u="sng" dirty="0"/>
+          </a:p>
+          <a:p>
+            <a:pPr marL="514350" indent="-514350">
+              <a:buFont typeface="+mj-lt"/>
+              <a:buAutoNum type="arabicPeriod"/>
+            </a:pPr>
+            <a:r>
+              <a:rPr lang="de-DE" sz="2400" dirty="0" err="1"/>
+              <a:t>Process</a:t>
+            </a:r>
+            <a:r>
+              <a:rPr lang="de-DE" sz="2400" dirty="0"/>
+              <a:t>:</a:t>
+            </a:r>
+            <a:br>
+              <a:rPr lang="de-DE" sz="2400" u="sng" dirty="0"/>
+            </a:br>
+            <a:r>
+              <a:rPr lang="de-DE" sz="2400" u="sng" dirty="0">
+                <a:hlinkClick r:id="rId5"/>
+              </a:rPr>
+              <a:t>http://s1oftware.blogspot.de/2013/09/ieee-1028-generic-process-for-formal.html</a:t>
+            </a:r>
+            <a:endParaRPr lang="de-DE" sz="2400" u="sng" dirty="0"/>
+          </a:p>
+          <a:p>
+            <a:pPr marL="514350" indent="-514350">
+              <a:buFont typeface="+mj-lt"/>
+              <a:buAutoNum type="arabicPeriod"/>
+            </a:pPr>
+            <a:endParaRPr lang="de-DE" sz="2400" u="sng" dirty="0"/>
           </a:p>
           <a:p>
             <a:pPr marL="514350" indent="-514350">

--- a/Peer Review_NEW.pptx
+++ b/Peer Review_NEW.pptx
@@ -10,6 +10,7 @@
     <p:sldId id="259" r:id="rId4"/>
     <p:sldId id="260" r:id="rId5"/>
     <p:sldId id="258" r:id="rId6"/>
+    <p:sldId id="261" r:id="rId7"/>
   </p:sldIdLst>
   <p:sldSz cx="12192000" cy="6858000"/>
   <p:notesSz cx="6858000" cy="9144000"/>
@@ -4228,6 +4229,75 @@
                                       </p:cBhvr>
                                       <p:to>
                                         <p:strVal val="visible"/>
+                                      </p:to>
+                                    </p:set>
+                                  </p:childTnLst>
+                                </p:cTn>
+                              </p:par>
+                            </p:childTnLst>
+                          </p:cTn>
+                        </p:par>
+                      </p:childTnLst>
+                    </p:cTn>
+                  </p:par>
+                  <p:par>
+                    <p:cTn id="21" fill="hold">
+                      <p:stCondLst>
+                        <p:cond delay="indefinite"/>
+                      </p:stCondLst>
+                      <p:childTnLst>
+                        <p:par>
+                          <p:cTn id="22" fill="hold">
+                            <p:stCondLst>
+                              <p:cond delay="0"/>
+                            </p:stCondLst>
+                            <p:childTnLst>
+                              <p:par>
+                                <p:cTn id="23" presetID="1" presetClass="emph" presetSubtype="2" fill="hold" nodeType="clickEffect">
+                                  <p:stCondLst>
+                                    <p:cond delay="0"/>
+                                  </p:stCondLst>
+                                  <p:childTnLst>
+                                    <p:animClr clrSpc="rgb" dir="cw">
+                                      <p:cBhvr>
+                                        <p:cTn id="24" dur="2000" fill="hold"/>
+                                        <p:tgtEl>
+                                          <p:spTgt spid="8"/>
+                                        </p:tgtEl>
+                                        <p:attrNameLst>
+                                          <p:attrName>fillcolor</p:attrName>
+                                        </p:attrNameLst>
+                                      </p:cBhvr>
+                                      <p:to>
+                                        <a:srgbClr val="8EAADB"/>
+                                      </p:to>
+                                    </p:animClr>
+                                    <p:set>
+                                      <p:cBhvr>
+                                        <p:cTn id="25" dur="2000" fill="hold"/>
+                                        <p:tgtEl>
+                                          <p:spTgt spid="8"/>
+                                        </p:tgtEl>
+                                        <p:attrNameLst>
+                                          <p:attrName>fill.type</p:attrName>
+                                        </p:attrNameLst>
+                                      </p:cBhvr>
+                                      <p:to>
+                                        <p:strVal val="solid"/>
+                                      </p:to>
+                                    </p:set>
+                                    <p:set>
+                                      <p:cBhvr>
+                                        <p:cTn id="26" dur="2000" fill="hold"/>
+                                        <p:tgtEl>
+                                          <p:spTgt spid="8"/>
+                                        </p:tgtEl>
+                                        <p:attrNameLst>
+                                          <p:attrName>fill.on</p:attrName>
+                                        </p:attrNameLst>
+                                      </p:cBhvr>
+                                      <p:to>
+                                        <p:strVal val="true"/>
                                       </p:to>
                                     </p:set>
                                   </p:childTnLst>
@@ -6567,6 +6637,51 @@
                                           </p:stCondLst>
                                         </p:cTn>
                                         <p:tgtEl>
+                                          <p:spTgt spid="37"/>
+                                        </p:tgtEl>
+                                        <p:attrNameLst>
+                                          <p:attrName>style.visibility</p:attrName>
+                                        </p:attrNameLst>
+                                      </p:cBhvr>
+                                      <p:to>
+                                        <p:strVal val="visible"/>
+                                      </p:to>
+                                    </p:set>
+                                  </p:childTnLst>
+                                </p:cTn>
+                              </p:par>
+                            </p:childTnLst>
+                          </p:cTn>
+                        </p:par>
+                      </p:childTnLst>
+                    </p:cTn>
+                  </p:par>
+                  <p:par>
+                    <p:cTn id="41" fill="hold">
+                      <p:stCondLst>
+                        <p:cond delay="indefinite"/>
+                      </p:stCondLst>
+                      <p:childTnLst>
+                        <p:par>
+                          <p:cTn id="42" fill="hold">
+                            <p:stCondLst>
+                              <p:cond delay="0"/>
+                            </p:stCondLst>
+                            <p:childTnLst>
+                              <p:par>
+                                <p:cTn id="43" presetID="1" presetClass="entr" presetSubtype="0" fill="hold" nodeType="clickEffect">
+                                  <p:stCondLst>
+                                    <p:cond delay="0"/>
+                                  </p:stCondLst>
+                                  <p:childTnLst>
+                                    <p:set>
+                                      <p:cBhvr>
+                                        <p:cTn id="44" dur="1" fill="hold">
+                                          <p:stCondLst>
+                                            <p:cond delay="0"/>
+                                          </p:stCondLst>
+                                        </p:cTn>
+                                        <p:tgtEl>
                                           <p:spTgt spid="52"/>
                                         </p:tgtEl>
                                         <p:attrNameLst>
@@ -6581,47 +6696,20 @@
                                 </p:cTn>
                               </p:par>
                               <p:par>
-                                <p:cTn id="41" presetID="1" presetClass="entr" presetSubtype="0" fill="hold" grpId="0" nodeType="withEffect">
+                                <p:cTn id="45" presetID="1" presetClass="entr" presetSubtype="0" fill="hold" grpId="0" nodeType="withEffect">
                                   <p:stCondLst>
                                     <p:cond delay="0"/>
                                   </p:stCondLst>
                                   <p:childTnLst>
                                     <p:set>
                                       <p:cBhvr>
-                                        <p:cTn id="42" dur="1" fill="hold">
+                                        <p:cTn id="46" dur="1" fill="hold">
                                           <p:stCondLst>
                                             <p:cond delay="0"/>
                                           </p:stCondLst>
                                         </p:cTn>
                                         <p:tgtEl>
                                           <p:spTgt spid="34"/>
-                                        </p:tgtEl>
-                                        <p:attrNameLst>
-                                          <p:attrName>style.visibility</p:attrName>
-                                        </p:attrNameLst>
-                                      </p:cBhvr>
-                                      <p:to>
-                                        <p:strVal val="visible"/>
-                                      </p:to>
-                                    </p:set>
-                                  </p:childTnLst>
-                                </p:cTn>
-                              </p:par>
-                              <p:par>
-                                <p:cTn id="43" presetID="1" presetClass="entr" presetSubtype="0" fill="hold" nodeType="withEffect">
-                                  <p:stCondLst>
-                                    <p:cond delay="0"/>
-                                  </p:stCondLst>
-                                  <p:childTnLst>
-                                    <p:set>
-                                      <p:cBhvr>
-                                        <p:cTn id="44" dur="1" fill="hold">
-                                          <p:stCondLst>
-                                            <p:cond delay="0"/>
-                                          </p:stCondLst>
-                                        </p:cTn>
-                                        <p:tgtEl>
-                                          <p:spTgt spid="37"/>
                                         </p:tgtEl>
                                         <p:attrNameLst>
                                           <p:attrName>style.visibility</p:attrName>
@@ -6863,6 +6951,106 @@
     <p:extLst>
       <p:ext uri="{BB962C8B-B14F-4D97-AF65-F5344CB8AC3E}">
         <p14:creationId xmlns:p14="http://schemas.microsoft.com/office/powerpoint/2010/main" val="3877586998"/>
+      </p:ext>
+    </p:extLst>
+  </p:cSld>
+  <p:clrMapOvr>
+    <a:masterClrMapping/>
+  </p:clrMapOvr>
+</p:sld>
+</file>
+
+<file path=ppt/slides/slide6.xml><?xml version="1.0" encoding="utf-8"?>
+<p:sld xmlns:a="http://schemas.openxmlformats.org/drawingml/2006/main" xmlns:r="http://schemas.openxmlformats.org/officeDocument/2006/relationships" xmlns:p="http://schemas.openxmlformats.org/presentationml/2006/main">
+  <p:cSld>
+    <p:bg>
+      <p:bgPr>
+        <a:blipFill dpi="0" rotWithShape="1">
+          <a:blip r:embed="rId2">
+            <a:alphaModFix amt="40000"/>
+            <a:lum/>
+          </a:blip>
+          <a:srcRect/>
+          <a:stretch>
+            <a:fillRect t="-9000" b="-9000"/>
+          </a:stretch>
+        </a:blipFill>
+        <a:effectLst/>
+      </p:bgPr>
+    </p:bg>
+    <p:spTree>
+      <p:nvGrpSpPr>
+        <p:cNvPr id="1" name=""/>
+        <p:cNvGrpSpPr/>
+        <p:nvPr/>
+      </p:nvGrpSpPr>
+      <p:grpSpPr>
+        <a:xfrm>
+          <a:off x="0" y="0"/>
+          <a:ext cx="0" cy="0"/>
+          <a:chOff x="0" y="0"/>
+          <a:chExt cx="0" cy="0"/>
+        </a:xfrm>
+      </p:grpSpPr>
+      <p:sp>
+        <p:nvSpPr>
+          <p:cNvPr id="4" name="Titel 1">
+            <a:extLst>
+              <a:ext uri="{FF2B5EF4-FFF2-40B4-BE49-F238E27FC236}">
+                <a16:creationId xmlns:a16="http://schemas.microsoft.com/office/drawing/2014/main" id="{707808DE-3D8B-436E-AE79-565C85B2AFA4}"/>
+              </a:ext>
+            </a:extLst>
+          </p:cNvPr>
+          <p:cNvSpPr txBox="1">
+            <a:spLocks/>
+          </p:cNvSpPr>
+          <p:nvPr/>
+        </p:nvSpPr>
+        <p:spPr>
+          <a:xfrm>
+            <a:off x="1123949" y="1951038"/>
+            <a:ext cx="10029825" cy="2387600"/>
+          </a:xfrm>
+          <a:prstGeom prst="rect">
+            <a:avLst/>
+          </a:prstGeom>
+        </p:spPr>
+        <p:txBody>
+          <a:bodyPr vert="horz" lIns="91440" tIns="45720" rIns="91440" bIns="45720" rtlCol="0" anchor="ctr">
+            <a:noAutofit/>
+          </a:bodyPr>
+          <a:lstStyle>
+            <a:lvl1pPr algn="l" defTabSz="914400" rtl="0" eaLnBrk="1" latinLnBrk="0" hangingPunct="1">
+              <a:lnSpc>
+                <a:spcPct val="90000"/>
+              </a:lnSpc>
+              <a:spcBef>
+                <a:spcPct val="0"/>
+              </a:spcBef>
+              <a:buNone/>
+              <a:defRPr sz="4400" kern="1200">
+                <a:solidFill>
+                  <a:schemeClr val="tx1"/>
+                </a:solidFill>
+                <a:latin typeface="+mj-lt"/>
+                <a:ea typeface="+mj-ea"/>
+                <a:cs typeface="+mj-cs"/>
+              </a:defRPr>
+            </a:lvl1pPr>
+          </a:lstStyle>
+          <a:p>
+            <a:pPr algn="ctr"/>
+            <a:r>
+              <a:rPr lang="de-DE" sz="12400" dirty="0"/>
+              <a:t>Live Demonstration</a:t>
+            </a:r>
+          </a:p>
+        </p:txBody>
+      </p:sp>
+    </p:spTree>
+    <p:extLst>
+      <p:ext uri="{BB962C8B-B14F-4D97-AF65-F5344CB8AC3E}">
+        <p14:creationId xmlns:p14="http://schemas.microsoft.com/office/powerpoint/2010/main" val="464446581"/>
       </p:ext>
     </p:extLst>
   </p:cSld>
